--- a/Android Panzenboeck.pptx
+++ b/Android Panzenboeck.pptx
@@ -5,12 +5,14 @@
     <p:sldMasterId id="2147483648" r:id="rId1"/>
   </p:sldMasterIdLst>
   <p:notesMasterIdLst>
-    <p:notesMasterId r:id="rId5"/>
+    <p:notesMasterId r:id="rId7"/>
   </p:notesMasterIdLst>
   <p:sldIdLst>
     <p:sldId id="256" r:id="rId2"/>
-    <p:sldId id="258" r:id="rId3"/>
-    <p:sldId id="257" r:id="rId4"/>
+    <p:sldId id="259" r:id="rId3"/>
+    <p:sldId id="260" r:id="rId4"/>
+    <p:sldId id="258" r:id="rId5"/>
+    <p:sldId id="257" r:id="rId6"/>
   </p:sldIdLst>
   <p:sldSz cx="12192000" cy="6858000"/>
   <p:notesSz cx="6858000" cy="9144000"/>
@@ -109,7 +111,16 @@
       </a:defRPr>
     </a:lvl9pPr>
   </p:defaultTextStyle>
+  <p:extLst>
+    <p:ext uri="{EFAFB233-063F-42B5-8137-9DF3F51BA10A}">
+      <p15:sldGuideLst xmlns:p15="http://schemas.microsoft.com/office/powerpoint/2012/main"/>
+    </p:ext>
+  </p:extLst>
 </p:presentation>
+</file>
+
+<file path=ppt/revisionInfo.xml><?xml version="1.0" encoding="utf-8"?>
+<p1510:revInfo xmlns:a="http://schemas.openxmlformats.org/drawingml/2006/main" xmlns:r="http://schemas.openxmlformats.org/officeDocument/2006/relationships" xmlns:p1510="http://schemas.microsoft.com/office/powerpoint/2015/10/main"/>
 </file>
 
 <file path=ppt/notesMasters/notesMaster1.xml><?xml version="1.0" encoding="utf-8"?>
@@ -506,33 +517,22 @@
           <a:bodyPr/>
           <a:lstStyle/>
           <a:p>
-            <a:pPr marL="0" marR="0" lvl="0" indent="0" algn="l" defTabSz="914400" rtl="0" eaLnBrk="1" fontAlgn="auto" latinLnBrk="0" hangingPunct="1">
-              <a:lnSpc>
-                <a:spcPct val="100000"/>
-              </a:lnSpc>
-              <a:spcBef>
-                <a:spcPts val="0"/>
-              </a:spcBef>
-              <a:spcAft>
-                <a:spcPts val="0"/>
-              </a:spcAft>
-              <a:buClrTx/>
-              <a:buSzTx/>
-              <a:buFontTx/>
-              <a:buNone/>
-              <a:tabLst/>
-              <a:defRPr/>
-            </a:pPr>
             <a:r>
               <a:rPr lang="de-AT" dirty="0"/>
-              <a:t>Multi User: </a:t>
-            </a:r>
-            <a:r>
-              <a:rPr lang="de-AT" b="0" dirty="0"/>
-              <a:t>Ermöglicht es, mehrere Benutzer auf einem Android Gerät zu haben. Inkludiert auch einen „Guest“ Modus für temporären eingeschränkten Zugriff</a:t>
-            </a:r>
-          </a:p>
-          <a:p>
+              <a:t>Der wesentliche Unterschied zu anderen Datenbanksystemen: Integration der DB in Applikationen. -&gt; </a:t>
+            </a:r>
+            <a:r>
+              <a:rPr lang="de-AT" dirty="0" err="1"/>
+              <a:t>lightweight</a:t>
+            </a:r>
+            <a:r>
+              <a:rPr lang="de-AT" dirty="0"/>
+              <a:t>, </a:t>
+            </a:r>
+            <a:r>
+              <a:rPr lang="de-AT" dirty="0" err="1"/>
+              <a:t>independent</a:t>
+            </a:r>
             <a:endParaRPr lang="de-AT" dirty="0"/>
           </a:p>
         </p:txBody>
@@ -563,7 +563,7 @@
     </p:spTree>
     <p:extLst>
       <p:ext uri="{BB962C8B-B14F-4D97-AF65-F5344CB8AC3E}">
-        <p14:creationId xmlns:p14="http://schemas.microsoft.com/office/powerpoint/2010/main" val="2200478098"/>
+        <p14:creationId xmlns:p14="http://schemas.microsoft.com/office/powerpoint/2010/main" val="2434801064"/>
       </p:ext>
     </p:extLst>
   </p:cSld>
@@ -617,6 +617,117 @@
           <a:bodyPr/>
           <a:lstStyle/>
           <a:p>
+            <a:pPr marL="0" marR="0" lvl="0" indent="0" algn="l" defTabSz="914400" rtl="0" eaLnBrk="1" fontAlgn="auto" latinLnBrk="0" hangingPunct="1">
+              <a:lnSpc>
+                <a:spcPct val="100000"/>
+              </a:lnSpc>
+              <a:spcBef>
+                <a:spcPts val="0"/>
+              </a:spcBef>
+              <a:spcAft>
+                <a:spcPts val="0"/>
+              </a:spcAft>
+              <a:buClrTx/>
+              <a:buSzTx/>
+              <a:buFontTx/>
+              <a:buNone/>
+              <a:tabLst/>
+              <a:defRPr/>
+            </a:pPr>
+            <a:r>
+              <a:rPr lang="de-AT" dirty="0"/>
+              <a:t>Multi User: </a:t>
+            </a:r>
+            <a:r>
+              <a:rPr lang="de-AT" b="0" dirty="0"/>
+              <a:t>Ermöglicht es, mehrere Benutzer auf einem Android Gerät zu haben. Inkludiert auch einen „Guest“ Modus für temporären eingeschränkten Zugriff</a:t>
+            </a:r>
+          </a:p>
+          <a:p>
+            <a:endParaRPr lang="de-AT" dirty="0"/>
+          </a:p>
+        </p:txBody>
+      </p:sp>
+      <p:sp>
+        <p:nvSpPr>
+          <p:cNvPr id="4" name="Foliennummernplatzhalter 3"/>
+          <p:cNvSpPr>
+            <a:spLocks noGrp="1"/>
+          </p:cNvSpPr>
+          <p:nvPr>
+            <p:ph type="sldNum" sz="quarter" idx="10"/>
+          </p:nvPr>
+        </p:nvSpPr>
+        <p:spPr/>
+        <p:txBody>
+          <a:bodyPr/>
+          <a:lstStyle/>
+          <a:p>
+            <a:fld id="{36C7B305-3DCD-4901-862E-AFF508EB2F83}" type="slidenum">
+              <a:rPr lang="de-AT" smtClean="0"/>
+              <a:t>4</a:t>
+            </a:fld>
+            <a:endParaRPr lang="de-AT"/>
+          </a:p>
+        </p:txBody>
+      </p:sp>
+    </p:spTree>
+    <p:extLst>
+      <p:ext uri="{BB962C8B-B14F-4D97-AF65-F5344CB8AC3E}">
+        <p14:creationId xmlns:p14="http://schemas.microsoft.com/office/powerpoint/2010/main" val="2200478098"/>
+      </p:ext>
+    </p:extLst>
+  </p:cSld>
+  <p:clrMapOvr>
+    <a:masterClrMapping/>
+  </p:clrMapOvr>
+</p:notes>
+</file>
+
+<file path=ppt/notesSlides/notesSlide3.xml><?xml version="1.0" encoding="utf-8"?>
+<p:notes xmlns:a="http://schemas.openxmlformats.org/drawingml/2006/main" xmlns:r="http://schemas.openxmlformats.org/officeDocument/2006/relationships" xmlns:p="http://schemas.openxmlformats.org/presentationml/2006/main">
+  <p:cSld>
+    <p:spTree>
+      <p:nvGrpSpPr>
+        <p:cNvPr id="1" name=""/>
+        <p:cNvGrpSpPr/>
+        <p:nvPr/>
+      </p:nvGrpSpPr>
+      <p:grpSpPr>
+        <a:xfrm>
+          <a:off x="0" y="0"/>
+          <a:ext cx="0" cy="0"/>
+          <a:chOff x="0" y="0"/>
+          <a:chExt cx="0" cy="0"/>
+        </a:xfrm>
+      </p:grpSpPr>
+      <p:sp>
+        <p:nvSpPr>
+          <p:cNvPr id="2" name="Folienbildplatzhalter 1"/>
+          <p:cNvSpPr>
+            <a:spLocks noGrp="1" noRot="1" noChangeAspect="1"/>
+          </p:cNvSpPr>
+          <p:nvPr>
+            <p:ph type="sldImg"/>
+          </p:nvPr>
+        </p:nvSpPr>
+        <p:spPr/>
+      </p:sp>
+      <p:sp>
+        <p:nvSpPr>
+          <p:cNvPr id="3" name="Notizenplatzhalter 2"/>
+          <p:cNvSpPr>
+            <a:spLocks noGrp="1"/>
+          </p:cNvSpPr>
+          <p:nvPr>
+            <p:ph type="body" idx="1"/>
+          </p:nvPr>
+        </p:nvSpPr>
+        <p:spPr/>
+        <p:txBody>
+          <a:bodyPr/>
+          <a:lstStyle/>
+          <a:p>
             <a:r>
               <a:rPr lang="de-AT" dirty="0" err="1"/>
               <a:t>Verified</a:t>
@@ -702,7 +813,7 @@
           <a:p>
             <a:fld id="{36C7B305-3DCD-4901-862E-AFF508EB2F83}" type="slidenum">
               <a:rPr lang="de-AT" smtClean="0"/>
-              <a:t>3</a:t>
+              <a:t>5</a:t>
             </a:fld>
             <a:endParaRPr lang="de-AT"/>
           </a:p>
@@ -3979,7 +4090,7 @@
           <a:p>
             <a:r>
               <a:rPr lang="de-AT" dirty="0"/>
-              <a:t>Android</a:t>
+              <a:t>Security Milestones in Android</a:t>
             </a:r>
           </a:p>
         </p:txBody>
@@ -4005,7 +4116,11 @@
           <a:bodyPr/>
           <a:lstStyle/>
           <a:p>
-            <a:endParaRPr lang="de-AT"/>
+            <a:r>
+              <a:rPr lang="de-AT" dirty="0" err="1"/>
+              <a:t>Lukas.riedliscool</a:t>
+            </a:r>
+            <a:endParaRPr lang="de-AT" dirty="0"/>
           </a:p>
         </p:txBody>
       </p:sp>
@@ -4044,6 +4159,187 @@
           <p:cNvPr id="2" name="Titel 1">
             <a:extLst>
               <a:ext uri="{FF2B5EF4-FFF2-40B4-BE49-F238E27FC236}">
+                <a16:creationId xmlns:a16="http://schemas.microsoft.com/office/drawing/2014/main" id="{A9B18959-AA6B-45FF-B616-8E71A9C6F04B}"/>
+              </a:ext>
+            </a:extLst>
+          </p:cNvPr>
+          <p:cNvSpPr>
+            <a:spLocks noGrp="1"/>
+          </p:cNvSpPr>
+          <p:nvPr>
+            <p:ph type="title"/>
+          </p:nvPr>
+        </p:nvSpPr>
+        <p:spPr/>
+        <p:txBody>
+          <a:bodyPr/>
+          <a:lstStyle/>
+          <a:p>
+            <a:r>
+              <a:rPr lang="de-AT" dirty="0"/>
+              <a:t>SQLITE Database</a:t>
+            </a:r>
+          </a:p>
+        </p:txBody>
+      </p:sp>
+      <p:sp>
+        <p:nvSpPr>
+          <p:cNvPr id="3" name="Inhaltsplatzhalter 2">
+            <a:extLst>
+              <a:ext uri="{FF2B5EF4-FFF2-40B4-BE49-F238E27FC236}">
+                <a16:creationId xmlns:a16="http://schemas.microsoft.com/office/drawing/2014/main" id="{42F3FCE6-2E87-4FDD-84AE-A464650AFCC6}"/>
+              </a:ext>
+            </a:extLst>
+          </p:cNvPr>
+          <p:cNvSpPr>
+            <a:spLocks noGrp="1"/>
+          </p:cNvSpPr>
+          <p:nvPr>
+            <p:ph idx="1"/>
+          </p:nvPr>
+        </p:nvSpPr>
+        <p:spPr/>
+        <p:txBody>
+          <a:bodyPr/>
+          <a:lstStyle/>
+          <a:p>
+            <a:r>
+              <a:rPr lang="de-AT" dirty="0"/>
+              <a:t>Lightweight</a:t>
+            </a:r>
+          </a:p>
+          <a:p>
+            <a:r>
+              <a:rPr lang="de-AT" dirty="0"/>
+              <a:t>Gut geeignet für ‚kleine‘ Anwendungen</a:t>
+            </a:r>
+          </a:p>
+          <a:p>
+            <a:r>
+              <a:rPr lang="de-AT" dirty="0"/>
+              <a:t>Basic Funktionen (CRUD)</a:t>
+            </a:r>
+          </a:p>
+        </p:txBody>
+      </p:sp>
+    </p:spTree>
+    <p:extLst>
+      <p:ext uri="{BB962C8B-B14F-4D97-AF65-F5344CB8AC3E}">
+        <p14:creationId xmlns:p14="http://schemas.microsoft.com/office/powerpoint/2010/main" val="2353365557"/>
+      </p:ext>
+    </p:extLst>
+  </p:cSld>
+  <p:clrMapOvr>
+    <a:masterClrMapping/>
+  </p:clrMapOvr>
+</p:sld>
+</file>
+
+<file path=ppt/slides/slide3.xml><?xml version="1.0" encoding="utf-8"?>
+<p:sld xmlns:a="http://schemas.openxmlformats.org/drawingml/2006/main" xmlns:r="http://schemas.openxmlformats.org/officeDocument/2006/relationships" xmlns:p="http://schemas.openxmlformats.org/presentationml/2006/main">
+  <p:cSld>
+    <p:spTree>
+      <p:nvGrpSpPr>
+        <p:cNvPr id="1" name=""/>
+        <p:cNvGrpSpPr/>
+        <p:nvPr/>
+      </p:nvGrpSpPr>
+      <p:grpSpPr>
+        <a:xfrm>
+          <a:off x="0" y="0"/>
+          <a:ext cx="0" cy="0"/>
+          <a:chOff x="0" y="0"/>
+          <a:chExt cx="0" cy="0"/>
+        </a:xfrm>
+      </p:grpSpPr>
+      <p:sp>
+        <p:nvSpPr>
+          <p:cNvPr id="2" name="Titel 1">
+            <a:extLst>
+              <a:ext uri="{FF2B5EF4-FFF2-40B4-BE49-F238E27FC236}">
+                <a16:creationId xmlns:a16="http://schemas.microsoft.com/office/drawing/2014/main" id="{14A585AE-BCF0-48FA-B0FE-717F248995FE}"/>
+              </a:ext>
+            </a:extLst>
+          </p:cNvPr>
+          <p:cNvSpPr>
+            <a:spLocks noGrp="1"/>
+          </p:cNvSpPr>
+          <p:nvPr>
+            <p:ph type="title"/>
+          </p:nvPr>
+        </p:nvSpPr>
+        <p:spPr/>
+        <p:txBody>
+          <a:bodyPr/>
+          <a:lstStyle/>
+          <a:p>
+            <a:r>
+              <a:rPr lang="de-AT" dirty="0"/>
+              <a:t>SQLITE in Android</a:t>
+            </a:r>
+          </a:p>
+        </p:txBody>
+      </p:sp>
+      <p:sp>
+        <p:nvSpPr>
+          <p:cNvPr id="3" name="Inhaltsplatzhalter 2">
+            <a:extLst>
+              <a:ext uri="{FF2B5EF4-FFF2-40B4-BE49-F238E27FC236}">
+                <a16:creationId xmlns:a16="http://schemas.microsoft.com/office/drawing/2014/main" id="{5416381E-7214-47CE-9459-DDC2C267814E}"/>
+              </a:ext>
+            </a:extLst>
+          </p:cNvPr>
+          <p:cNvSpPr>
+            <a:spLocks noGrp="1"/>
+          </p:cNvSpPr>
+          <p:nvPr>
+            <p:ph idx="1"/>
+          </p:nvPr>
+        </p:nvSpPr>
+        <p:spPr/>
+        <p:txBody>
+          <a:bodyPr/>
+          <a:lstStyle/>
+          <a:p>
+            <a:endParaRPr lang="de-AT" dirty="0"/>
+          </a:p>
+        </p:txBody>
+      </p:sp>
+    </p:spTree>
+    <p:extLst>
+      <p:ext uri="{BB962C8B-B14F-4D97-AF65-F5344CB8AC3E}">
+        <p14:creationId xmlns:p14="http://schemas.microsoft.com/office/powerpoint/2010/main" val="3944832945"/>
+      </p:ext>
+    </p:extLst>
+  </p:cSld>
+  <p:clrMapOvr>
+    <a:masterClrMapping/>
+  </p:clrMapOvr>
+</p:sld>
+</file>
+
+<file path=ppt/slides/slide4.xml><?xml version="1.0" encoding="utf-8"?>
+<p:sld xmlns:a="http://schemas.openxmlformats.org/drawingml/2006/main" xmlns:r="http://schemas.openxmlformats.org/officeDocument/2006/relationships" xmlns:p="http://schemas.openxmlformats.org/presentationml/2006/main">
+  <p:cSld>
+    <p:spTree>
+      <p:nvGrpSpPr>
+        <p:cNvPr id="1" name=""/>
+        <p:cNvGrpSpPr/>
+        <p:nvPr/>
+      </p:nvGrpSpPr>
+      <p:grpSpPr>
+        <a:xfrm>
+          <a:off x="0" y="0"/>
+          <a:ext cx="0" cy="0"/>
+          <a:chOff x="0" y="0"/>
+          <a:chExt cx="0" cy="0"/>
+        </a:xfrm>
+      </p:grpSpPr>
+      <p:sp>
+        <p:nvSpPr>
+          <p:cNvPr id="2" name="Titel 1">
+            <a:extLst>
+              <a:ext uri="{FF2B5EF4-FFF2-40B4-BE49-F238E27FC236}">
                 <a16:creationId xmlns:a16="http://schemas.microsoft.com/office/drawing/2014/main" id="{A3527037-3C8E-41AC-8179-12B07C3231D7}"/>
               </a:ext>
             </a:extLst>
@@ -4082,14 +4378,14 @@
           <p:nvPr>
             <p:extLst>
               <p:ext uri="{D42A27DB-BD31-4B8C-83A1-F6EECF244321}">
-                <p14:modId xmlns:p14="http://schemas.microsoft.com/office/powerpoint/2010/main" val="2767942998"/>
+                <p14:modId xmlns:p14="http://schemas.microsoft.com/office/powerpoint/2010/main" val="398997719"/>
               </p:ext>
             </p:extLst>
           </p:nvPr>
         </p:nvGraphicFramePr>
         <p:xfrm>
-          <a:off x="2032000" y="1567595"/>
-          <a:ext cx="8184662" cy="4371530"/>
+          <a:off x="975360" y="1400370"/>
+          <a:ext cx="10241280" cy="5092505"/>
         </p:xfrm>
         <a:graphic>
           <a:graphicData uri="http://schemas.openxmlformats.org/drawingml/2006/table">
@@ -4098,14 +4394,14 @@
                 <a:tableStyleId>{5C22544A-7EE6-4342-B048-85BDC9FD1C3A}</a:tableStyleId>
               </a:tblPr>
               <a:tblGrid>
-                <a:gridCol w="4092331">
+                <a:gridCol w="5120640">
                   <a:extLst>
                     <a:ext uri="{9D8B030D-6E8A-4147-A177-3AD203B41FA5}">
                       <a16:colId xmlns:a16="http://schemas.microsoft.com/office/drawing/2014/main" val="671584466"/>
                     </a:ext>
                   </a:extLst>
                 </a:gridCol>
-                <a:gridCol w="4092331">
+                <a:gridCol w="5120640">
                   <a:extLst>
                     <a:ext uri="{9D8B030D-6E8A-4147-A177-3AD203B41FA5}">
                       <a16:colId xmlns:a16="http://schemas.microsoft.com/office/drawing/2014/main" val="1858703610"/>
@@ -4113,7 +4409,7 @@
                   </a:extLst>
                 </a:gridCol>
               </a:tblGrid>
-              <a:tr h="326993">
+              <a:tr h="426797">
                 <a:tc>
                   <a:txBody>
                     <a:bodyPr/>
@@ -4140,7 +4436,7 @@
                   </a:ext>
                 </a:extLst>
               </a:tr>
-              <a:tr h="806285">
+              <a:tr h="939118">
                 <a:tc>
                   <a:txBody>
                     <a:bodyPr/>
@@ -4173,7 +4469,7 @@
                   </a:ext>
                 </a:extLst>
               </a:tr>
-              <a:tr h="564400">
+              <a:tr h="1065045">
                 <a:tc>
                   <a:txBody>
                     <a:bodyPr/>
@@ -4227,7 +4523,7 @@
                   </a:ext>
                 </a:extLst>
               </a:tr>
-              <a:tr h="645398">
+              <a:tr h="1065045">
                 <a:tc>
                   <a:txBody>
                     <a:bodyPr/>
@@ -4296,7 +4592,7 @@
                   </a:ext>
                 </a:extLst>
               </a:tr>
-              <a:tr h="806285">
+              <a:tr h="939118">
                 <a:tc>
                   <a:txBody>
                     <a:bodyPr/>
@@ -4335,7 +4631,7 @@
                   </a:ext>
                 </a:extLst>
               </a:tr>
-              <a:tr h="564400">
+              <a:tr h="657382">
                 <a:tc>
                   <a:txBody>
                     <a:bodyPr/>
@@ -4385,7 +4681,7 @@
 </p:sld>
 </file>
 
-<file path=ppt/slides/slide3.xml><?xml version="1.0" encoding="utf-8"?>
+<file path=ppt/slides/slide5.xml><?xml version="1.0" encoding="utf-8"?>
 <p:sld xmlns:a="http://schemas.openxmlformats.org/drawingml/2006/main" xmlns:r="http://schemas.openxmlformats.org/officeDocument/2006/relationships" xmlns:p="http://schemas.openxmlformats.org/presentationml/2006/main">
   <p:cSld>
     <p:spTree>

--- a/Android Panzenboeck.pptx
+++ b/Android Panzenboeck.pptx
@@ -5,14 +5,22 @@
     <p:sldMasterId id="2147483648" r:id="rId1"/>
   </p:sldMasterIdLst>
   <p:notesMasterIdLst>
-    <p:notesMasterId r:id="rId7"/>
+    <p:notesMasterId r:id="rId15"/>
   </p:notesMasterIdLst>
   <p:sldIdLst>
-    <p:sldId id="256" r:id="rId2"/>
-    <p:sldId id="259" r:id="rId3"/>
-    <p:sldId id="260" r:id="rId4"/>
-    <p:sldId id="258" r:id="rId5"/>
-    <p:sldId id="257" r:id="rId6"/>
+    <p:sldId id="259" r:id="rId2"/>
+    <p:sldId id="268" r:id="rId3"/>
+    <p:sldId id="263" r:id="rId4"/>
+    <p:sldId id="265" r:id="rId5"/>
+    <p:sldId id="264" r:id="rId6"/>
+    <p:sldId id="266" r:id="rId7"/>
+    <p:sldId id="260" r:id="rId8"/>
+    <p:sldId id="261" r:id="rId9"/>
+    <p:sldId id="262" r:id="rId10"/>
+    <p:sldId id="267" r:id="rId11"/>
+    <p:sldId id="258" r:id="rId12"/>
+    <p:sldId id="257" r:id="rId13"/>
+    <p:sldId id="269" r:id="rId14"/>
   </p:sldIdLst>
   <p:sldSz cx="12192000" cy="6858000"/>
   <p:notesSz cx="6858000" cy="9144000"/>
@@ -205,7 +213,7 @@
           <a:p>
             <a:fld id="{032E51A5-1EAA-49D7-8B5B-717F2007A904}" type="datetimeFigureOut">
               <a:rPr lang="de-AT" smtClean="0"/>
-              <a:t>19.10.2017</a:t>
+              <a:t>22.10.2017</a:t>
             </a:fld>
             <a:endParaRPr lang="de-AT"/>
           </a:p>
@@ -517,6 +525,23 @@
           <a:bodyPr/>
           <a:lstStyle/>
           <a:p>
+            <a:pPr marL="0" marR="0" lvl="0" indent="0" algn="l" defTabSz="914400" rtl="0" eaLnBrk="1" fontAlgn="auto" latinLnBrk="0" hangingPunct="1">
+              <a:lnSpc>
+                <a:spcPct val="100000"/>
+              </a:lnSpc>
+              <a:spcBef>
+                <a:spcPts val="0"/>
+              </a:spcBef>
+              <a:spcAft>
+                <a:spcPts val="0"/>
+              </a:spcAft>
+              <a:buClrTx/>
+              <a:buSzTx/>
+              <a:buFontTx/>
+              <a:buNone/>
+              <a:tabLst/>
+              <a:defRPr/>
+            </a:pPr>
             <a:r>
               <a:rPr lang="de-AT" dirty="0"/>
               <a:t>Der wesentliche Unterschied zu anderen Datenbanksystemen: Integration der DB in Applikationen. -&gt; </a:t>
@@ -535,6 +560,9 @@
             </a:r>
             <a:endParaRPr lang="de-AT" dirty="0"/>
           </a:p>
+          <a:p>
+            <a:endParaRPr lang="de-AT" dirty="0"/>
+          </a:p>
         </p:txBody>
       </p:sp>
       <p:sp>
@@ -554,7 +582,7 @@
           <a:p>
             <a:fld id="{36C7B305-3DCD-4901-862E-AFF508EB2F83}" type="slidenum">
               <a:rPr lang="de-AT" smtClean="0"/>
-              <a:t>2</a:t>
+              <a:t>1</a:t>
             </a:fld>
             <a:endParaRPr lang="de-AT"/>
           </a:p>
@@ -563,7 +591,7 @@
     </p:spTree>
     <p:extLst>
       <p:ext uri="{BB962C8B-B14F-4D97-AF65-F5344CB8AC3E}">
-        <p14:creationId xmlns:p14="http://schemas.microsoft.com/office/powerpoint/2010/main" val="2434801064"/>
+        <p14:creationId xmlns:p14="http://schemas.microsoft.com/office/powerpoint/2010/main" val="572400281"/>
       </p:ext>
     </p:extLst>
   </p:cSld>
@@ -617,34 +645,18 @@
           <a:bodyPr/>
           <a:lstStyle/>
           <a:p>
-            <a:pPr marL="0" marR="0" lvl="0" indent="0" algn="l" defTabSz="914400" rtl="0" eaLnBrk="1" fontAlgn="auto" latinLnBrk="0" hangingPunct="1">
-              <a:lnSpc>
-                <a:spcPct val="100000"/>
-              </a:lnSpc>
-              <a:spcBef>
-                <a:spcPts val="0"/>
-              </a:spcBef>
-              <a:spcAft>
-                <a:spcPts val="0"/>
-              </a:spcAft>
-              <a:buClrTx/>
-              <a:buSzTx/>
-              <a:buFontTx/>
-              <a:buNone/>
-              <a:tabLst/>
-              <a:defRPr/>
-            </a:pPr>
-            <a:r>
-              <a:rPr lang="de-AT" dirty="0"/>
-              <a:t>Multi User: </a:t>
-            </a:r>
-            <a:r>
-              <a:rPr lang="de-AT" b="0" dirty="0"/>
-              <a:t>Ermöglicht es, mehrere Benutzer auf einem Android Gerät zu haben. Inkludiert auch einen „Guest“ Modus für temporären eingeschränkten Zugriff</a:t>
-            </a:r>
-          </a:p>
-          <a:p>
-            <a:endParaRPr lang="de-AT" dirty="0"/>
+            <a:r>
+              <a:rPr lang="de-AT" dirty="0"/>
+              <a:t>Es folgt ein Beispiel für </a:t>
+            </a:r>
+            <a:r>
+              <a:rPr lang="de-AT" dirty="0" err="1"/>
+              <a:t>select</a:t>
+            </a:r>
+            <a:r>
+              <a:rPr lang="de-AT" dirty="0"/>
+              <a:t> * auf beiden Wegen</a:t>
+            </a:r>
           </a:p>
         </p:txBody>
       </p:sp>
@@ -665,7 +677,7 @@
           <a:p>
             <a:fld id="{36C7B305-3DCD-4901-862E-AFF508EB2F83}" type="slidenum">
               <a:rPr lang="de-AT" smtClean="0"/>
-              <a:t>4</a:t>
+              <a:t>3</a:t>
             </a:fld>
             <a:endParaRPr lang="de-AT"/>
           </a:p>
@@ -674,7 +686,7 @@
     </p:spTree>
     <p:extLst>
       <p:ext uri="{BB962C8B-B14F-4D97-AF65-F5344CB8AC3E}">
-        <p14:creationId xmlns:p14="http://schemas.microsoft.com/office/powerpoint/2010/main" val="2200478098"/>
+        <p14:creationId xmlns:p14="http://schemas.microsoft.com/office/powerpoint/2010/main" val="1356336172"/>
       </p:ext>
     </p:extLst>
   </p:cSld>
@@ -728,71 +740,110 @@
           <a:bodyPr/>
           <a:lstStyle/>
           <a:p>
+            <a:endParaRPr lang="de-AT" dirty="0"/>
+          </a:p>
+        </p:txBody>
+      </p:sp>
+      <p:sp>
+        <p:nvSpPr>
+          <p:cNvPr id="4" name="Foliennummernplatzhalter 3"/>
+          <p:cNvSpPr>
+            <a:spLocks noGrp="1"/>
+          </p:cNvSpPr>
+          <p:nvPr>
+            <p:ph type="sldNum" sz="quarter" idx="10"/>
+          </p:nvPr>
+        </p:nvSpPr>
+        <p:spPr/>
+        <p:txBody>
+          <a:bodyPr/>
+          <a:lstStyle/>
+          <a:p>
+            <a:fld id="{36C7B305-3DCD-4901-862E-AFF508EB2F83}" type="slidenum">
+              <a:rPr lang="de-AT" smtClean="0"/>
+              <a:t>4</a:t>
+            </a:fld>
+            <a:endParaRPr lang="de-AT"/>
+          </a:p>
+        </p:txBody>
+      </p:sp>
+    </p:spTree>
+    <p:extLst>
+      <p:ext uri="{BB962C8B-B14F-4D97-AF65-F5344CB8AC3E}">
+        <p14:creationId xmlns:p14="http://schemas.microsoft.com/office/powerpoint/2010/main" val="3577759541"/>
+      </p:ext>
+    </p:extLst>
+  </p:cSld>
+  <p:clrMapOvr>
+    <a:masterClrMapping/>
+  </p:clrMapOvr>
+</p:notes>
+</file>
+
+<file path=ppt/notesSlides/notesSlide4.xml><?xml version="1.0" encoding="utf-8"?>
+<p:notes xmlns:a="http://schemas.openxmlformats.org/drawingml/2006/main" xmlns:r="http://schemas.openxmlformats.org/officeDocument/2006/relationships" xmlns:p="http://schemas.openxmlformats.org/presentationml/2006/main">
+  <p:cSld>
+    <p:spTree>
+      <p:nvGrpSpPr>
+        <p:cNvPr id="1" name=""/>
+        <p:cNvGrpSpPr/>
+        <p:nvPr/>
+      </p:nvGrpSpPr>
+      <p:grpSpPr>
+        <a:xfrm>
+          <a:off x="0" y="0"/>
+          <a:ext cx="0" cy="0"/>
+          <a:chOff x="0" y="0"/>
+          <a:chExt cx="0" cy="0"/>
+        </a:xfrm>
+      </p:grpSpPr>
+      <p:sp>
+        <p:nvSpPr>
+          <p:cNvPr id="2" name="Folienbildplatzhalter 1"/>
+          <p:cNvSpPr>
+            <a:spLocks noGrp="1" noRot="1" noChangeAspect="1"/>
+          </p:cNvSpPr>
+          <p:nvPr>
+            <p:ph type="sldImg"/>
+          </p:nvPr>
+        </p:nvSpPr>
+        <p:spPr/>
+      </p:sp>
+      <p:sp>
+        <p:nvSpPr>
+          <p:cNvPr id="3" name="Notizenplatzhalter 2"/>
+          <p:cNvSpPr>
+            <a:spLocks noGrp="1"/>
+          </p:cNvSpPr>
+          <p:nvPr>
+            <p:ph type="body" idx="1"/>
+          </p:nvPr>
+        </p:nvSpPr>
+        <p:spPr/>
+        <p:txBody>
+          <a:bodyPr/>
+          <a:lstStyle/>
+          <a:p>
+            <a:r>
+              <a:rPr lang="de-AT" dirty="0"/>
+              <a:t>Wenn alle </a:t>
+            </a:r>
             <a:r>
               <a:rPr lang="de-AT" dirty="0" err="1"/>
-              <a:t>Verified</a:t>
-            </a:r>
-            <a:r>
-              <a:rPr lang="de-AT" dirty="0"/>
-              <a:t> Boot – </a:t>
+              <a:t>parameter</a:t>
+            </a:r>
+            <a:r>
+              <a:rPr lang="de-AT" dirty="0"/>
+              <a:t> außer URI null sind, ist es </a:t>
             </a:r>
             <a:r>
               <a:rPr lang="de-AT" dirty="0" err="1"/>
-              <a:t>from</a:t>
-            </a:r>
-            <a:r>
-              <a:rPr lang="de-AT" dirty="0"/>
-              <a:t> </a:t>
-            </a:r>
-            <a:r>
-              <a:rPr lang="de-AT" dirty="0" err="1"/>
-              <a:t>the</a:t>
-            </a:r>
-            <a:r>
-              <a:rPr lang="de-AT" dirty="0"/>
-              <a:t> </a:t>
-            </a:r>
-            <a:r>
-              <a:rPr lang="de-AT" dirty="0" err="1"/>
-              <a:t>bootloader</a:t>
-            </a:r>
-            <a:r>
-              <a:rPr lang="de-AT" dirty="0"/>
-              <a:t> </a:t>
-            </a:r>
-            <a:r>
-              <a:rPr lang="de-AT" dirty="0" err="1"/>
-              <a:t>up</a:t>
-            </a:r>
-            <a:r>
-              <a:rPr lang="de-AT" dirty="0"/>
-              <a:t> </a:t>
-            </a:r>
-            <a:r>
-              <a:rPr lang="de-AT" dirty="0" err="1"/>
-              <a:t>to</a:t>
-            </a:r>
-            <a:r>
-              <a:rPr lang="de-AT" dirty="0"/>
-              <a:t> </a:t>
-            </a:r>
-            <a:r>
-              <a:rPr lang="de-AT" dirty="0" err="1"/>
-              <a:t>the</a:t>
-            </a:r>
-            <a:r>
-              <a:rPr lang="de-AT" dirty="0"/>
-              <a:t> OS</a:t>
-            </a:r>
-          </a:p>
-          <a:p>
-            <a:r>
-              <a:rPr lang="de-AT" dirty="0"/>
-              <a:t>Fingerprint APIs ermöglichen es Entwicklern, mit Fingerprints zu arbeiten.</a:t>
-            </a:r>
-          </a:p>
-          <a:p>
-            <a:endParaRPr lang="de-AT" dirty="0"/>
+              <a:t>select</a:t>
+            </a:r>
+            <a:r>
+              <a:rPr lang="de-AT" dirty="0"/>
+              <a:t> *</a:t>
+            </a:r>
           </a:p>
         </p:txBody>
       </p:sp>
@@ -814,6 +865,439 @@
             <a:fld id="{36C7B305-3DCD-4901-862E-AFF508EB2F83}" type="slidenum">
               <a:rPr lang="de-AT" smtClean="0"/>
               <a:t>5</a:t>
+            </a:fld>
+            <a:endParaRPr lang="de-AT"/>
+          </a:p>
+        </p:txBody>
+      </p:sp>
+    </p:spTree>
+    <p:extLst>
+      <p:ext uri="{BB962C8B-B14F-4D97-AF65-F5344CB8AC3E}">
+        <p14:creationId xmlns:p14="http://schemas.microsoft.com/office/powerpoint/2010/main" val="346418498"/>
+      </p:ext>
+    </p:extLst>
+  </p:cSld>
+  <p:clrMapOvr>
+    <a:masterClrMapping/>
+  </p:clrMapOvr>
+</p:notes>
+</file>
+
+<file path=ppt/notesSlides/notesSlide5.xml><?xml version="1.0" encoding="utf-8"?>
+<p:notes xmlns:a="http://schemas.openxmlformats.org/drawingml/2006/main" xmlns:r="http://schemas.openxmlformats.org/officeDocument/2006/relationships" xmlns:p="http://schemas.openxmlformats.org/presentationml/2006/main">
+  <p:cSld>
+    <p:spTree>
+      <p:nvGrpSpPr>
+        <p:cNvPr id="1" name=""/>
+        <p:cNvGrpSpPr/>
+        <p:nvPr/>
+      </p:nvGrpSpPr>
+      <p:grpSpPr>
+        <a:xfrm>
+          <a:off x="0" y="0"/>
+          <a:ext cx="0" cy="0"/>
+          <a:chOff x="0" y="0"/>
+          <a:chExt cx="0" cy="0"/>
+        </a:xfrm>
+      </p:grpSpPr>
+      <p:sp>
+        <p:nvSpPr>
+          <p:cNvPr id="2" name="Folienbildplatzhalter 1"/>
+          <p:cNvSpPr>
+            <a:spLocks noGrp="1" noRot="1" noChangeAspect="1"/>
+          </p:cNvSpPr>
+          <p:nvPr>
+            <p:ph type="sldImg"/>
+          </p:nvPr>
+        </p:nvSpPr>
+        <p:spPr/>
+      </p:sp>
+      <p:sp>
+        <p:nvSpPr>
+          <p:cNvPr id="3" name="Notizenplatzhalter 2"/>
+          <p:cNvSpPr>
+            <a:spLocks noGrp="1"/>
+          </p:cNvSpPr>
+          <p:nvPr>
+            <p:ph type="body" idx="1"/>
+          </p:nvPr>
+        </p:nvSpPr>
+        <p:spPr/>
+        <p:txBody>
+          <a:bodyPr/>
+          <a:lstStyle/>
+          <a:p>
+            <a:r>
+              <a:rPr lang="de-AT" dirty="0"/>
+              <a:t>1. Parameter ist in diesem  Falle „TABLE_NAME“, da nur Bilder abgefragt werden.</a:t>
+            </a:r>
+          </a:p>
+        </p:txBody>
+      </p:sp>
+      <p:sp>
+        <p:nvSpPr>
+          <p:cNvPr id="4" name="Foliennummernplatzhalter 3"/>
+          <p:cNvSpPr>
+            <a:spLocks noGrp="1"/>
+          </p:cNvSpPr>
+          <p:nvPr>
+            <p:ph type="sldNum" sz="quarter" idx="10"/>
+          </p:nvPr>
+        </p:nvSpPr>
+        <p:spPr/>
+        <p:txBody>
+          <a:bodyPr/>
+          <a:lstStyle/>
+          <a:p>
+            <a:fld id="{36C7B305-3DCD-4901-862E-AFF508EB2F83}" type="slidenum">
+              <a:rPr lang="de-AT" smtClean="0"/>
+              <a:t>6</a:t>
+            </a:fld>
+            <a:endParaRPr lang="de-AT"/>
+          </a:p>
+        </p:txBody>
+      </p:sp>
+    </p:spTree>
+    <p:extLst>
+      <p:ext uri="{BB962C8B-B14F-4D97-AF65-F5344CB8AC3E}">
+        <p14:creationId xmlns:p14="http://schemas.microsoft.com/office/powerpoint/2010/main" val="1760234782"/>
+      </p:ext>
+    </p:extLst>
+  </p:cSld>
+  <p:clrMapOvr>
+    <a:masterClrMapping/>
+  </p:clrMapOvr>
+</p:notes>
+</file>
+
+<file path=ppt/notesSlides/notesSlide6.xml><?xml version="1.0" encoding="utf-8"?>
+<p:notes xmlns:a="http://schemas.openxmlformats.org/drawingml/2006/main" xmlns:r="http://schemas.openxmlformats.org/officeDocument/2006/relationships" xmlns:p="http://schemas.openxmlformats.org/presentationml/2006/main">
+  <p:cSld>
+    <p:spTree>
+      <p:nvGrpSpPr>
+        <p:cNvPr id="1" name=""/>
+        <p:cNvGrpSpPr/>
+        <p:nvPr/>
+      </p:nvGrpSpPr>
+      <p:grpSpPr>
+        <a:xfrm>
+          <a:off x="0" y="0"/>
+          <a:ext cx="0" cy="0"/>
+          <a:chOff x="0" y="0"/>
+          <a:chExt cx="0" cy="0"/>
+        </a:xfrm>
+      </p:grpSpPr>
+      <p:sp>
+        <p:nvSpPr>
+          <p:cNvPr id="2" name="Folienbildplatzhalter 1"/>
+          <p:cNvSpPr>
+            <a:spLocks noGrp="1" noRot="1" noChangeAspect="1"/>
+          </p:cNvSpPr>
+          <p:nvPr>
+            <p:ph type="sldImg"/>
+          </p:nvPr>
+        </p:nvSpPr>
+        <p:spPr/>
+      </p:sp>
+      <p:sp>
+        <p:nvSpPr>
+          <p:cNvPr id="3" name="Notizenplatzhalter 2"/>
+          <p:cNvSpPr>
+            <a:spLocks noGrp="1"/>
+          </p:cNvSpPr>
+          <p:nvPr>
+            <p:ph type="body" idx="1"/>
+          </p:nvPr>
+        </p:nvSpPr>
+        <p:spPr/>
+        <p:txBody>
+          <a:bodyPr/>
+          <a:lstStyle/>
+          <a:p>
+            <a:r>
+              <a:rPr lang="de-AT" dirty="0"/>
+              <a:t>Rechte: z.B. nur Read Access aber nicht Write Access</a:t>
+            </a:r>
+          </a:p>
+        </p:txBody>
+      </p:sp>
+      <p:sp>
+        <p:nvSpPr>
+          <p:cNvPr id="4" name="Foliennummernplatzhalter 3"/>
+          <p:cNvSpPr>
+            <a:spLocks noGrp="1"/>
+          </p:cNvSpPr>
+          <p:nvPr>
+            <p:ph type="sldNum" sz="quarter" idx="10"/>
+          </p:nvPr>
+        </p:nvSpPr>
+        <p:spPr/>
+        <p:txBody>
+          <a:bodyPr/>
+          <a:lstStyle/>
+          <a:p>
+            <a:fld id="{36C7B305-3DCD-4901-862E-AFF508EB2F83}" type="slidenum">
+              <a:rPr lang="de-AT" smtClean="0"/>
+              <a:t>7</a:t>
+            </a:fld>
+            <a:endParaRPr lang="de-AT"/>
+          </a:p>
+        </p:txBody>
+      </p:sp>
+    </p:spTree>
+    <p:extLst>
+      <p:ext uri="{BB962C8B-B14F-4D97-AF65-F5344CB8AC3E}">
+        <p14:creationId xmlns:p14="http://schemas.microsoft.com/office/powerpoint/2010/main" val="2265105473"/>
+      </p:ext>
+    </p:extLst>
+  </p:cSld>
+  <p:clrMapOvr>
+    <a:masterClrMapping/>
+  </p:clrMapOvr>
+</p:notes>
+</file>
+
+<file path=ppt/notesSlides/notesSlide7.xml><?xml version="1.0" encoding="utf-8"?>
+<p:notes xmlns:a="http://schemas.openxmlformats.org/drawingml/2006/main" xmlns:r="http://schemas.openxmlformats.org/officeDocument/2006/relationships" xmlns:p="http://schemas.openxmlformats.org/presentationml/2006/main">
+  <p:cSld>
+    <p:spTree>
+      <p:nvGrpSpPr>
+        <p:cNvPr id="1" name=""/>
+        <p:cNvGrpSpPr/>
+        <p:nvPr/>
+      </p:nvGrpSpPr>
+      <p:grpSpPr>
+        <a:xfrm>
+          <a:off x="0" y="0"/>
+          <a:ext cx="0" cy="0"/>
+          <a:chOff x="0" y="0"/>
+          <a:chExt cx="0" cy="0"/>
+        </a:xfrm>
+      </p:grpSpPr>
+      <p:sp>
+        <p:nvSpPr>
+          <p:cNvPr id="2" name="Folienbildplatzhalter 1"/>
+          <p:cNvSpPr>
+            <a:spLocks noGrp="1" noRot="1" noChangeAspect="1"/>
+          </p:cNvSpPr>
+          <p:nvPr>
+            <p:ph type="sldImg"/>
+          </p:nvPr>
+        </p:nvSpPr>
+        <p:spPr/>
+      </p:sp>
+      <p:sp>
+        <p:nvSpPr>
+          <p:cNvPr id="3" name="Notizenplatzhalter 2"/>
+          <p:cNvSpPr>
+            <a:spLocks noGrp="1"/>
+          </p:cNvSpPr>
+          <p:nvPr>
+            <p:ph type="body" idx="1"/>
+          </p:nvPr>
+        </p:nvSpPr>
+        <p:spPr/>
+        <p:txBody>
+          <a:bodyPr/>
+          <a:lstStyle/>
+          <a:p>
+            <a:pPr marL="0" marR="0" lvl="0" indent="0" algn="l" defTabSz="914400" rtl="0" eaLnBrk="1" fontAlgn="auto" latinLnBrk="0" hangingPunct="1">
+              <a:lnSpc>
+                <a:spcPct val="100000"/>
+              </a:lnSpc>
+              <a:spcBef>
+                <a:spcPts val="0"/>
+              </a:spcBef>
+              <a:spcAft>
+                <a:spcPts val="0"/>
+              </a:spcAft>
+              <a:buClrTx/>
+              <a:buSzTx/>
+              <a:buFontTx/>
+              <a:buNone/>
+              <a:tabLst/>
+              <a:defRPr/>
+            </a:pPr>
+            <a:r>
+              <a:rPr lang="de-AT" dirty="0"/>
+              <a:t>Multi User: </a:t>
+            </a:r>
+            <a:r>
+              <a:rPr lang="de-AT" b="0" dirty="0"/>
+              <a:t>Ermöglicht es, mehrere Benutzer auf einem Android Gerät zu haben. Inkludiert auch einen „Guest“ Modus für temporären eingeschränkten Zugriff</a:t>
+            </a:r>
+          </a:p>
+          <a:p>
+            <a:endParaRPr lang="de-AT" dirty="0"/>
+          </a:p>
+        </p:txBody>
+      </p:sp>
+      <p:sp>
+        <p:nvSpPr>
+          <p:cNvPr id="4" name="Foliennummernplatzhalter 3"/>
+          <p:cNvSpPr>
+            <a:spLocks noGrp="1"/>
+          </p:cNvSpPr>
+          <p:nvPr>
+            <p:ph type="sldNum" sz="quarter" idx="10"/>
+          </p:nvPr>
+        </p:nvSpPr>
+        <p:spPr/>
+        <p:txBody>
+          <a:bodyPr/>
+          <a:lstStyle/>
+          <a:p>
+            <a:fld id="{36C7B305-3DCD-4901-862E-AFF508EB2F83}" type="slidenum">
+              <a:rPr lang="de-AT" smtClean="0"/>
+              <a:t>11</a:t>
+            </a:fld>
+            <a:endParaRPr lang="de-AT"/>
+          </a:p>
+        </p:txBody>
+      </p:sp>
+    </p:spTree>
+    <p:extLst>
+      <p:ext uri="{BB962C8B-B14F-4D97-AF65-F5344CB8AC3E}">
+        <p14:creationId xmlns:p14="http://schemas.microsoft.com/office/powerpoint/2010/main" val="2200478098"/>
+      </p:ext>
+    </p:extLst>
+  </p:cSld>
+  <p:clrMapOvr>
+    <a:masterClrMapping/>
+  </p:clrMapOvr>
+</p:notes>
+</file>
+
+<file path=ppt/notesSlides/notesSlide8.xml><?xml version="1.0" encoding="utf-8"?>
+<p:notes xmlns:a="http://schemas.openxmlformats.org/drawingml/2006/main" xmlns:r="http://schemas.openxmlformats.org/officeDocument/2006/relationships" xmlns:p="http://schemas.openxmlformats.org/presentationml/2006/main">
+  <p:cSld>
+    <p:spTree>
+      <p:nvGrpSpPr>
+        <p:cNvPr id="1" name=""/>
+        <p:cNvGrpSpPr/>
+        <p:nvPr/>
+      </p:nvGrpSpPr>
+      <p:grpSpPr>
+        <a:xfrm>
+          <a:off x="0" y="0"/>
+          <a:ext cx="0" cy="0"/>
+          <a:chOff x="0" y="0"/>
+          <a:chExt cx="0" cy="0"/>
+        </a:xfrm>
+      </p:grpSpPr>
+      <p:sp>
+        <p:nvSpPr>
+          <p:cNvPr id="2" name="Folienbildplatzhalter 1"/>
+          <p:cNvSpPr>
+            <a:spLocks noGrp="1" noRot="1" noChangeAspect="1"/>
+          </p:cNvSpPr>
+          <p:nvPr>
+            <p:ph type="sldImg"/>
+          </p:nvPr>
+        </p:nvSpPr>
+        <p:spPr/>
+      </p:sp>
+      <p:sp>
+        <p:nvSpPr>
+          <p:cNvPr id="3" name="Notizenplatzhalter 2"/>
+          <p:cNvSpPr>
+            <a:spLocks noGrp="1"/>
+          </p:cNvSpPr>
+          <p:nvPr>
+            <p:ph type="body" idx="1"/>
+          </p:nvPr>
+        </p:nvSpPr>
+        <p:spPr/>
+        <p:txBody>
+          <a:bodyPr/>
+          <a:lstStyle/>
+          <a:p>
+            <a:r>
+              <a:rPr lang="de-AT" dirty="0" err="1"/>
+              <a:t>Verified</a:t>
+            </a:r>
+            <a:r>
+              <a:rPr lang="de-AT" dirty="0"/>
+              <a:t> Boot – </a:t>
+            </a:r>
+            <a:r>
+              <a:rPr lang="de-AT" dirty="0" err="1"/>
+              <a:t>from</a:t>
+            </a:r>
+            <a:r>
+              <a:rPr lang="de-AT" dirty="0"/>
+              <a:t> </a:t>
+            </a:r>
+            <a:r>
+              <a:rPr lang="de-AT" dirty="0" err="1"/>
+              <a:t>the</a:t>
+            </a:r>
+            <a:r>
+              <a:rPr lang="de-AT" dirty="0"/>
+              <a:t> </a:t>
+            </a:r>
+            <a:r>
+              <a:rPr lang="de-AT" dirty="0" err="1"/>
+              <a:t>bootloader</a:t>
+            </a:r>
+            <a:r>
+              <a:rPr lang="de-AT" dirty="0"/>
+              <a:t> </a:t>
+            </a:r>
+            <a:r>
+              <a:rPr lang="de-AT" dirty="0" err="1"/>
+              <a:t>up</a:t>
+            </a:r>
+            <a:r>
+              <a:rPr lang="de-AT" dirty="0"/>
+              <a:t> </a:t>
+            </a:r>
+            <a:r>
+              <a:rPr lang="de-AT" dirty="0" err="1"/>
+              <a:t>to</a:t>
+            </a:r>
+            <a:r>
+              <a:rPr lang="de-AT" dirty="0"/>
+              <a:t> </a:t>
+            </a:r>
+            <a:r>
+              <a:rPr lang="de-AT" dirty="0" err="1"/>
+              <a:t>the</a:t>
+            </a:r>
+            <a:r>
+              <a:rPr lang="de-AT" dirty="0"/>
+              <a:t> OS</a:t>
+            </a:r>
+          </a:p>
+          <a:p>
+            <a:r>
+              <a:rPr lang="de-AT" dirty="0"/>
+              <a:t>Fingerprint APIs ermöglichen es Entwicklern, mit Fingerprints zu arbeiten.</a:t>
+            </a:r>
+          </a:p>
+          <a:p>
+            <a:endParaRPr lang="de-AT" dirty="0"/>
+          </a:p>
+        </p:txBody>
+      </p:sp>
+      <p:sp>
+        <p:nvSpPr>
+          <p:cNvPr id="4" name="Foliennummernplatzhalter 3"/>
+          <p:cNvSpPr>
+            <a:spLocks noGrp="1"/>
+          </p:cNvSpPr>
+          <p:nvPr>
+            <p:ph type="sldNum" sz="quarter" idx="10"/>
+          </p:nvPr>
+        </p:nvSpPr>
+        <p:spPr/>
+        <p:txBody>
+          <a:bodyPr/>
+          <a:lstStyle/>
+          <a:p>
+            <a:fld id="{36C7B305-3DCD-4901-862E-AFF508EB2F83}" type="slidenum">
+              <a:rPr lang="de-AT" smtClean="0"/>
+              <a:t>12</a:t>
             </a:fld>
             <a:endParaRPr lang="de-AT"/>
           </a:p>
@@ -981,7 +1465,7 @@
           <a:p>
             <a:fld id="{2B6EC4EA-4B7C-41D0-8C12-795DA6CC1C4F}" type="datetimeFigureOut">
               <a:rPr lang="de-AT" smtClean="0"/>
-              <a:t>19.10.2017</a:t>
+              <a:t>22.10.2017</a:t>
             </a:fld>
             <a:endParaRPr lang="de-AT"/>
           </a:p>
@@ -1181,7 +1665,7 @@
           <a:p>
             <a:fld id="{2B6EC4EA-4B7C-41D0-8C12-795DA6CC1C4F}" type="datetimeFigureOut">
               <a:rPr lang="de-AT" smtClean="0"/>
-              <a:t>19.10.2017</a:t>
+              <a:t>22.10.2017</a:t>
             </a:fld>
             <a:endParaRPr lang="de-AT"/>
           </a:p>
@@ -1391,7 +1875,7 @@
           <a:p>
             <a:fld id="{2B6EC4EA-4B7C-41D0-8C12-795DA6CC1C4F}" type="datetimeFigureOut">
               <a:rPr lang="de-AT" smtClean="0"/>
-              <a:t>19.10.2017</a:t>
+              <a:t>22.10.2017</a:t>
             </a:fld>
             <a:endParaRPr lang="de-AT"/>
           </a:p>
@@ -1591,7 +2075,7 @@
           <a:p>
             <a:fld id="{2B6EC4EA-4B7C-41D0-8C12-795DA6CC1C4F}" type="datetimeFigureOut">
               <a:rPr lang="de-AT" smtClean="0"/>
-              <a:t>19.10.2017</a:t>
+              <a:t>22.10.2017</a:t>
             </a:fld>
             <a:endParaRPr lang="de-AT"/>
           </a:p>
@@ -1867,7 +2351,7 @@
           <a:p>
             <a:fld id="{2B6EC4EA-4B7C-41D0-8C12-795DA6CC1C4F}" type="datetimeFigureOut">
               <a:rPr lang="de-AT" smtClean="0"/>
-              <a:t>19.10.2017</a:t>
+              <a:t>22.10.2017</a:t>
             </a:fld>
             <a:endParaRPr lang="de-AT"/>
           </a:p>
@@ -2135,7 +2619,7 @@
           <a:p>
             <a:fld id="{2B6EC4EA-4B7C-41D0-8C12-795DA6CC1C4F}" type="datetimeFigureOut">
               <a:rPr lang="de-AT" smtClean="0"/>
-              <a:t>19.10.2017</a:t>
+              <a:t>22.10.2017</a:t>
             </a:fld>
             <a:endParaRPr lang="de-AT"/>
           </a:p>
@@ -2550,7 +3034,7 @@
           <a:p>
             <a:fld id="{2B6EC4EA-4B7C-41D0-8C12-795DA6CC1C4F}" type="datetimeFigureOut">
               <a:rPr lang="de-AT" smtClean="0"/>
-              <a:t>19.10.2017</a:t>
+              <a:t>22.10.2017</a:t>
             </a:fld>
             <a:endParaRPr lang="de-AT"/>
           </a:p>
@@ -2692,7 +3176,7 @@
           <a:p>
             <a:fld id="{2B6EC4EA-4B7C-41D0-8C12-795DA6CC1C4F}" type="datetimeFigureOut">
               <a:rPr lang="de-AT" smtClean="0"/>
-              <a:t>19.10.2017</a:t>
+              <a:t>22.10.2017</a:t>
             </a:fld>
             <a:endParaRPr lang="de-AT"/>
           </a:p>
@@ -2805,7 +3289,7 @@
           <a:p>
             <a:fld id="{2B6EC4EA-4B7C-41D0-8C12-795DA6CC1C4F}" type="datetimeFigureOut">
               <a:rPr lang="de-AT" smtClean="0"/>
-              <a:t>19.10.2017</a:t>
+              <a:t>22.10.2017</a:t>
             </a:fld>
             <a:endParaRPr lang="de-AT"/>
           </a:p>
@@ -3118,7 +3602,7 @@
           <a:p>
             <a:fld id="{2B6EC4EA-4B7C-41D0-8C12-795DA6CC1C4F}" type="datetimeFigureOut">
               <a:rPr lang="de-AT" smtClean="0"/>
-              <a:t>19.10.2017</a:t>
+              <a:t>22.10.2017</a:t>
             </a:fld>
             <a:endParaRPr lang="de-AT"/>
           </a:p>
@@ -3407,7 +3891,7 @@
           <a:p>
             <a:fld id="{2B6EC4EA-4B7C-41D0-8C12-795DA6CC1C4F}" type="datetimeFigureOut">
               <a:rPr lang="de-AT" smtClean="0"/>
-              <a:t>19.10.2017</a:t>
+              <a:t>22.10.2017</a:t>
             </a:fld>
             <a:endParaRPr lang="de-AT"/>
           </a:p>
@@ -3650,7 +4134,7 @@
           <a:p>
             <a:fld id="{2B6EC4EA-4B7C-41D0-8C12-795DA6CC1C4F}" type="datetimeFigureOut">
               <a:rPr lang="de-AT" smtClean="0"/>
-              <a:t>19.10.2017</a:t>
+              <a:t>22.10.2017</a:t>
             </a:fld>
             <a:endParaRPr lang="de-AT"/>
           </a:p>
@@ -4072,62 +4556,114 @@
           <p:cNvPr id="2" name="Titel 1">
             <a:extLst>
               <a:ext uri="{FF2B5EF4-FFF2-40B4-BE49-F238E27FC236}">
-                <a16:creationId xmlns:a16="http://schemas.microsoft.com/office/drawing/2014/main" id="{73F1ED17-6662-41FA-A2E0-3A72FBF9B731}"/>
-              </a:ext>
-            </a:extLst>
-          </p:cNvPr>
-          <p:cNvSpPr>
-            <a:spLocks noGrp="1"/>
-          </p:cNvSpPr>
-          <p:nvPr>
-            <p:ph type="ctrTitle"/>
-          </p:nvPr>
-        </p:nvSpPr>
-        <p:spPr/>
-        <p:txBody>
-          <a:bodyPr/>
-          <a:lstStyle/>
-          <a:p>
-            <a:r>
-              <a:rPr lang="de-AT" dirty="0"/>
-              <a:t>Security Milestones in Android</a:t>
-            </a:r>
-          </a:p>
-        </p:txBody>
-      </p:sp>
-      <p:sp>
-        <p:nvSpPr>
-          <p:cNvPr id="3" name="Untertitel 2">
-            <a:extLst>
-              <a:ext uri="{FF2B5EF4-FFF2-40B4-BE49-F238E27FC236}">
-                <a16:creationId xmlns:a16="http://schemas.microsoft.com/office/drawing/2014/main" id="{8F57FAAB-2DB2-4B49-BF26-207841B4B94A}"/>
-              </a:ext>
-            </a:extLst>
-          </p:cNvPr>
-          <p:cNvSpPr>
-            <a:spLocks noGrp="1"/>
-          </p:cNvSpPr>
-          <p:nvPr>
-            <p:ph type="subTitle" idx="1"/>
-          </p:nvPr>
-        </p:nvSpPr>
-        <p:spPr/>
-        <p:txBody>
-          <a:bodyPr/>
-          <a:lstStyle/>
-          <a:p>
+                <a16:creationId xmlns:a16="http://schemas.microsoft.com/office/drawing/2014/main" id="{2F702DE5-5985-46BA-8A96-72D8B37D9907}"/>
+              </a:ext>
+            </a:extLst>
+          </p:cNvPr>
+          <p:cNvSpPr>
+            <a:spLocks noGrp="1"/>
+          </p:cNvSpPr>
+          <p:nvPr>
+            <p:ph type="title"/>
+          </p:nvPr>
+        </p:nvSpPr>
+        <p:spPr/>
+        <p:txBody>
+          <a:bodyPr/>
+          <a:lstStyle/>
+          <a:p>
+            <a:r>
+              <a:rPr lang="de-AT" dirty="0"/>
+              <a:t>SQLite Database	</a:t>
+            </a:r>
+          </a:p>
+        </p:txBody>
+      </p:sp>
+      <p:sp>
+        <p:nvSpPr>
+          <p:cNvPr id="3" name="Inhaltsplatzhalter 2">
+            <a:extLst>
+              <a:ext uri="{FF2B5EF4-FFF2-40B4-BE49-F238E27FC236}">
+                <a16:creationId xmlns:a16="http://schemas.microsoft.com/office/drawing/2014/main" id="{B92CC6DC-9EDB-430B-861F-099793D5E8A1}"/>
+              </a:ext>
+            </a:extLst>
+          </p:cNvPr>
+          <p:cNvSpPr>
+            <a:spLocks noGrp="1"/>
+          </p:cNvSpPr>
+          <p:nvPr>
+            <p:ph idx="1"/>
+          </p:nvPr>
+        </p:nvSpPr>
+        <p:spPr/>
+        <p:txBody>
+          <a:bodyPr/>
+          <a:lstStyle/>
+          <a:p>
+            <a:r>
+              <a:rPr lang="de-AT" dirty="0"/>
+              <a:t>Speichert die Datenbank als .</a:t>
+            </a:r>
             <a:r>
               <a:rPr lang="de-AT" dirty="0" err="1"/>
-              <a:t>Lukas.riedliscool</a:t>
+              <a:t>db</a:t>
+            </a:r>
+            <a:r>
+              <a:rPr lang="de-AT" dirty="0"/>
+              <a:t> File</a:t>
+            </a:r>
+          </a:p>
+          <a:p>
+            <a:r>
+              <a:rPr lang="de-AT" dirty="0"/>
+              <a:t>Abfragen mit SQL Statements</a:t>
+            </a:r>
+          </a:p>
+          <a:p>
+            <a:r>
+              <a:rPr lang="de-AT" b="1" dirty="0"/>
+              <a:t>Integration der DB </a:t>
+            </a:r>
+            <a:r>
+              <a:rPr lang="de-AT" dirty="0"/>
+              <a:t>in der Applikation</a:t>
+            </a:r>
+          </a:p>
+          <a:p>
+            <a:r>
+              <a:rPr lang="de-AT" dirty="0" err="1"/>
+              <a:t>SQLiteOpenHelper</a:t>
             </a:r>
             <a:endParaRPr lang="de-AT" dirty="0"/>
+          </a:p>
+          <a:p>
+            <a:pPr lvl="1"/>
+            <a:r>
+              <a:rPr lang="de-AT" dirty="0" err="1"/>
+              <a:t>onCreate</a:t>
+            </a:r>
+            <a:r>
+              <a:rPr lang="de-AT" dirty="0"/>
+              <a:t>() -&gt; Create Statements</a:t>
+            </a:r>
+          </a:p>
+          <a:p>
+            <a:pPr lvl="1"/>
+            <a:r>
+              <a:rPr lang="de-AT" dirty="0" err="1"/>
+              <a:t>onUpgrade</a:t>
+            </a:r>
+            <a:r>
+              <a:rPr lang="de-AT" dirty="0"/>
+              <a:t>() -&gt; Drop &amp; Create </a:t>
+            </a:r>
           </a:p>
         </p:txBody>
       </p:sp>
     </p:spTree>
     <p:extLst>
       <p:ext uri="{BB962C8B-B14F-4D97-AF65-F5344CB8AC3E}">
-        <p14:creationId xmlns:p14="http://schemas.microsoft.com/office/powerpoint/2010/main" val="450867028"/>
+        <p14:creationId xmlns:p14="http://schemas.microsoft.com/office/powerpoint/2010/main" val="726285484"/>
       </p:ext>
     </p:extLst>
   </p:cSld>
@@ -4137,7 +4673,7 @@
 </p:sld>
 </file>
 
-<file path=ppt/slides/slide2.xml><?xml version="1.0" encoding="utf-8"?>
+<file path=ppt/slides/slide10.xml><?xml version="1.0" encoding="utf-8"?>
 <p:sld xmlns:a="http://schemas.openxmlformats.org/drawingml/2006/main" xmlns:r="http://schemas.openxmlformats.org/officeDocument/2006/relationships" xmlns:p="http://schemas.openxmlformats.org/presentationml/2006/main">
   <p:cSld>
     <p:spTree>
@@ -4159,7 +4695,7 @@
           <p:cNvPr id="2" name="Titel 1">
             <a:extLst>
               <a:ext uri="{FF2B5EF4-FFF2-40B4-BE49-F238E27FC236}">
-                <a16:creationId xmlns:a16="http://schemas.microsoft.com/office/drawing/2014/main" id="{A9B18959-AA6B-45FF-B616-8E71A9C6F04B}"/>
+                <a16:creationId xmlns:a16="http://schemas.microsoft.com/office/drawing/2014/main" id="{474E24E2-D90A-4E9E-8E39-D79E6DC4E387}"/>
               </a:ext>
             </a:extLst>
           </p:cNvPr>
@@ -4177,7 +4713,7 @@
           <a:p>
             <a:r>
               <a:rPr lang="de-AT" dirty="0"/>
-              <a:t>SQLITE Database</a:t>
+              <a:t>Content Providers abfragen – „Client“</a:t>
             </a:r>
           </a:p>
         </p:txBody>
@@ -4187,7 +4723,7 @@
           <p:cNvPr id="3" name="Inhaltsplatzhalter 2">
             <a:extLst>
               <a:ext uri="{FF2B5EF4-FFF2-40B4-BE49-F238E27FC236}">
-                <a16:creationId xmlns:a16="http://schemas.microsoft.com/office/drawing/2014/main" id="{42F3FCE6-2E87-4FDD-84AE-A464650AFCC6}"/>
+                <a16:creationId xmlns:a16="http://schemas.microsoft.com/office/drawing/2014/main" id="{65590FE7-FA85-4AD2-8433-96CF071466A8}"/>
               </a:ext>
             </a:extLst>
           </p:cNvPr>
@@ -4198,34 +4734,124 @@
             <p:ph idx="1"/>
           </p:nvPr>
         </p:nvSpPr>
-        <p:spPr/>
-        <p:txBody>
-          <a:bodyPr/>
-          <a:lstStyle/>
-          <a:p>
-            <a:r>
-              <a:rPr lang="de-AT" dirty="0"/>
-              <a:t>Lightweight</a:t>
-            </a:r>
-          </a:p>
-          <a:p>
-            <a:r>
-              <a:rPr lang="de-AT" dirty="0"/>
-              <a:t>Gut geeignet für ‚kleine‘ Anwendungen</a:t>
-            </a:r>
-          </a:p>
-          <a:p>
-            <a:r>
-              <a:rPr lang="de-AT" dirty="0"/>
-              <a:t>Basic Funktionen (CRUD)</a:t>
-            </a:r>
-          </a:p>
-        </p:txBody>
-      </p:sp>
+        <p:spPr>
+          <a:xfrm>
+            <a:off x="838200" y="1843210"/>
+            <a:ext cx="10515600" cy="4351338"/>
+          </a:xfrm>
+        </p:spPr>
+        <p:txBody>
+          <a:bodyPr/>
+          <a:lstStyle/>
+          <a:p>
+            <a:r>
+              <a:rPr lang="de-AT" dirty="0"/>
+              <a:t>Zuerst muss man Rechte haben -&gt; AndroidManifest.xml</a:t>
+            </a:r>
+          </a:p>
+          <a:p>
+            <a:endParaRPr lang="de-AT" dirty="0"/>
+          </a:p>
+          <a:p>
+            <a:endParaRPr lang="de-AT" dirty="0"/>
+          </a:p>
+          <a:p>
+            <a:r>
+              <a:rPr lang="de-AT" dirty="0"/>
+              <a:t>Man benützt den </a:t>
+            </a:r>
+            <a:r>
+              <a:rPr lang="de-AT" dirty="0" err="1"/>
+              <a:t>ContentResolver</a:t>
+            </a:r>
+            <a:endParaRPr lang="de-AT" dirty="0"/>
+          </a:p>
+          <a:p>
+            <a:pPr lvl="1"/>
+            <a:r>
+              <a:rPr lang="de-AT" dirty="0" err="1"/>
+              <a:t>getContentResolver</a:t>
+            </a:r>
+            <a:r>
+              <a:rPr lang="de-AT" dirty="0"/>
+              <a:t>()</a:t>
+            </a:r>
+          </a:p>
+          <a:p>
+            <a:pPr lvl="1"/>
+            <a:r>
+              <a:rPr lang="de-AT" dirty="0"/>
+              <a:t>Funktioniert wie eine </a:t>
+            </a:r>
+            <a:r>
+              <a:rPr lang="de-AT" dirty="0" err="1"/>
+              <a:t>SQLiteDatabase</a:t>
+            </a:r>
+            <a:endParaRPr lang="de-AT" dirty="0"/>
+          </a:p>
+          <a:p>
+            <a:pPr lvl="1"/>
+            <a:endParaRPr lang="de-AT" dirty="0"/>
+          </a:p>
+          <a:p>
+            <a:pPr lvl="1"/>
+            <a:r>
+              <a:rPr lang="de-AT" dirty="0"/>
+              <a:t>Abfragen:	</a:t>
+            </a:r>
+            <a:r>
+              <a:rPr lang="de-AT" dirty="0" err="1"/>
+              <a:t>cr.query</a:t>
+            </a:r>
+            <a:r>
+              <a:rPr lang="de-AT" dirty="0"/>
+              <a:t>() -&gt; </a:t>
+            </a:r>
+            <a:r>
+              <a:rPr lang="de-AT" dirty="0" err="1"/>
+              <a:t>returnt</a:t>
+            </a:r>
+            <a:r>
+              <a:rPr lang="de-AT" dirty="0"/>
+              <a:t> Cursor</a:t>
+            </a:r>
+          </a:p>
+        </p:txBody>
+      </p:sp>
+      <p:pic>
+        <p:nvPicPr>
+          <p:cNvPr id="4" name="Grafik 3">
+            <a:extLst>
+              <a:ext uri="{FF2B5EF4-FFF2-40B4-BE49-F238E27FC236}">
+                <a16:creationId xmlns:a16="http://schemas.microsoft.com/office/drawing/2014/main" id="{E0D8C0CC-0265-43A4-83D8-2D5E9CBE8A27}"/>
+              </a:ext>
+            </a:extLst>
+          </p:cNvPr>
+          <p:cNvPicPr>
+            <a:picLocks noChangeAspect="1"/>
+          </p:cNvPicPr>
+          <p:nvPr/>
+        </p:nvPicPr>
+        <p:blipFill>
+          <a:blip r:embed="rId2"/>
+          <a:stretch>
+            <a:fillRect/>
+          </a:stretch>
+        </p:blipFill>
+        <p:spPr>
+          <a:xfrm>
+            <a:off x="582673" y="2702686"/>
+            <a:ext cx="11026654" cy="337060"/>
+          </a:xfrm>
+          <a:prstGeom prst="rect">
+            <a:avLst/>
+          </a:prstGeom>
+        </p:spPr>
+      </p:pic>
     </p:spTree>
     <p:extLst>
       <p:ext uri="{BB962C8B-B14F-4D97-AF65-F5344CB8AC3E}">
-        <p14:creationId xmlns:p14="http://schemas.microsoft.com/office/powerpoint/2010/main" val="2353365557"/>
+        <p14:creationId xmlns:p14="http://schemas.microsoft.com/office/powerpoint/2010/main" val="3073922069"/>
       </p:ext>
     </p:extLst>
   </p:cSld>
@@ -4235,7 +4861,7 @@
 </p:sld>
 </file>
 
-<file path=ppt/slides/slide3.xml><?xml version="1.0" encoding="utf-8"?>
+<file path=ppt/slides/slide11.xml><?xml version="1.0" encoding="utf-8"?>
 <p:sld xmlns:a="http://schemas.openxmlformats.org/drawingml/2006/main" xmlns:r="http://schemas.openxmlformats.org/officeDocument/2006/relationships" xmlns:p="http://schemas.openxmlformats.org/presentationml/2006/main">
   <p:cSld>
     <p:spTree>
@@ -4257,89 +4883,6 @@
           <p:cNvPr id="2" name="Titel 1">
             <a:extLst>
               <a:ext uri="{FF2B5EF4-FFF2-40B4-BE49-F238E27FC236}">
-                <a16:creationId xmlns:a16="http://schemas.microsoft.com/office/drawing/2014/main" id="{14A585AE-BCF0-48FA-B0FE-717F248995FE}"/>
-              </a:ext>
-            </a:extLst>
-          </p:cNvPr>
-          <p:cNvSpPr>
-            <a:spLocks noGrp="1"/>
-          </p:cNvSpPr>
-          <p:nvPr>
-            <p:ph type="title"/>
-          </p:nvPr>
-        </p:nvSpPr>
-        <p:spPr/>
-        <p:txBody>
-          <a:bodyPr/>
-          <a:lstStyle/>
-          <a:p>
-            <a:r>
-              <a:rPr lang="de-AT" dirty="0"/>
-              <a:t>SQLITE in Android</a:t>
-            </a:r>
-          </a:p>
-        </p:txBody>
-      </p:sp>
-      <p:sp>
-        <p:nvSpPr>
-          <p:cNvPr id="3" name="Inhaltsplatzhalter 2">
-            <a:extLst>
-              <a:ext uri="{FF2B5EF4-FFF2-40B4-BE49-F238E27FC236}">
-                <a16:creationId xmlns:a16="http://schemas.microsoft.com/office/drawing/2014/main" id="{5416381E-7214-47CE-9459-DDC2C267814E}"/>
-              </a:ext>
-            </a:extLst>
-          </p:cNvPr>
-          <p:cNvSpPr>
-            <a:spLocks noGrp="1"/>
-          </p:cNvSpPr>
-          <p:nvPr>
-            <p:ph idx="1"/>
-          </p:nvPr>
-        </p:nvSpPr>
-        <p:spPr/>
-        <p:txBody>
-          <a:bodyPr/>
-          <a:lstStyle/>
-          <a:p>
-            <a:endParaRPr lang="de-AT" dirty="0"/>
-          </a:p>
-        </p:txBody>
-      </p:sp>
-    </p:spTree>
-    <p:extLst>
-      <p:ext uri="{BB962C8B-B14F-4D97-AF65-F5344CB8AC3E}">
-        <p14:creationId xmlns:p14="http://schemas.microsoft.com/office/powerpoint/2010/main" val="3944832945"/>
-      </p:ext>
-    </p:extLst>
-  </p:cSld>
-  <p:clrMapOvr>
-    <a:masterClrMapping/>
-  </p:clrMapOvr>
-</p:sld>
-</file>
-
-<file path=ppt/slides/slide4.xml><?xml version="1.0" encoding="utf-8"?>
-<p:sld xmlns:a="http://schemas.openxmlformats.org/drawingml/2006/main" xmlns:r="http://schemas.openxmlformats.org/officeDocument/2006/relationships" xmlns:p="http://schemas.openxmlformats.org/presentationml/2006/main">
-  <p:cSld>
-    <p:spTree>
-      <p:nvGrpSpPr>
-        <p:cNvPr id="1" name=""/>
-        <p:cNvGrpSpPr/>
-        <p:nvPr/>
-      </p:nvGrpSpPr>
-      <p:grpSpPr>
-        <a:xfrm>
-          <a:off x="0" y="0"/>
-          <a:ext cx="0" cy="0"/>
-          <a:chOff x="0" y="0"/>
-          <a:chExt cx="0" cy="0"/>
-        </a:xfrm>
-      </p:grpSpPr>
-      <p:sp>
-        <p:nvSpPr>
-          <p:cNvPr id="2" name="Titel 1">
-            <a:extLst>
-              <a:ext uri="{FF2B5EF4-FFF2-40B4-BE49-F238E27FC236}">
                 <a16:creationId xmlns:a16="http://schemas.microsoft.com/office/drawing/2014/main" id="{A3527037-3C8E-41AC-8179-12B07C3231D7}"/>
               </a:ext>
             </a:extLst>
@@ -4378,14 +4921,14 @@
           <p:nvPr>
             <p:extLst>
               <p:ext uri="{D42A27DB-BD31-4B8C-83A1-F6EECF244321}">
-                <p14:modId xmlns:p14="http://schemas.microsoft.com/office/powerpoint/2010/main" val="398997719"/>
+                <p14:modId xmlns:p14="http://schemas.microsoft.com/office/powerpoint/2010/main" val="2767942998"/>
               </p:ext>
             </p:extLst>
           </p:nvPr>
         </p:nvGraphicFramePr>
         <p:xfrm>
-          <a:off x="975360" y="1400370"/>
-          <a:ext cx="10241280" cy="5092505"/>
+          <a:off x="2032000" y="1567595"/>
+          <a:ext cx="8184662" cy="4371530"/>
         </p:xfrm>
         <a:graphic>
           <a:graphicData uri="http://schemas.openxmlformats.org/drawingml/2006/table">
@@ -4394,14 +4937,14 @@
                 <a:tableStyleId>{5C22544A-7EE6-4342-B048-85BDC9FD1C3A}</a:tableStyleId>
               </a:tblPr>
               <a:tblGrid>
-                <a:gridCol w="5120640">
+                <a:gridCol w="4092331">
                   <a:extLst>
                     <a:ext uri="{9D8B030D-6E8A-4147-A177-3AD203B41FA5}">
                       <a16:colId xmlns:a16="http://schemas.microsoft.com/office/drawing/2014/main" val="671584466"/>
                     </a:ext>
                   </a:extLst>
                 </a:gridCol>
-                <a:gridCol w="5120640">
+                <a:gridCol w="4092331">
                   <a:extLst>
                     <a:ext uri="{9D8B030D-6E8A-4147-A177-3AD203B41FA5}">
                       <a16:colId xmlns:a16="http://schemas.microsoft.com/office/drawing/2014/main" val="1858703610"/>
@@ -4409,7 +4952,7 @@
                   </a:extLst>
                 </a:gridCol>
               </a:tblGrid>
-              <a:tr h="426797">
+              <a:tr h="326993">
                 <a:tc>
                   <a:txBody>
                     <a:bodyPr/>
@@ -4436,7 +4979,7 @@
                   </a:ext>
                 </a:extLst>
               </a:tr>
-              <a:tr h="939118">
+              <a:tr h="806285">
                 <a:tc>
                   <a:txBody>
                     <a:bodyPr/>
@@ -4469,7 +5012,7 @@
                   </a:ext>
                 </a:extLst>
               </a:tr>
-              <a:tr h="1065045">
+              <a:tr h="564400">
                 <a:tc>
                   <a:txBody>
                     <a:bodyPr/>
@@ -4523,7 +5066,7 @@
                   </a:ext>
                 </a:extLst>
               </a:tr>
-              <a:tr h="1065045">
+              <a:tr h="645398">
                 <a:tc>
                   <a:txBody>
                     <a:bodyPr/>
@@ -4592,7 +5135,7 @@
                   </a:ext>
                 </a:extLst>
               </a:tr>
-              <a:tr h="939118">
+              <a:tr h="806285">
                 <a:tc>
                   <a:txBody>
                     <a:bodyPr/>
@@ -4631,7 +5174,7 @@
                   </a:ext>
                 </a:extLst>
               </a:tr>
-              <a:tr h="657382">
+              <a:tr h="564400">
                 <a:tc>
                   <a:txBody>
                     <a:bodyPr/>
@@ -4681,7 +5224,7 @@
 </p:sld>
 </file>
 
-<file path=ppt/slides/slide5.xml><?xml version="1.0" encoding="utf-8"?>
+<file path=ppt/slides/slide12.xml><?xml version="1.0" encoding="utf-8"?>
 <p:sld xmlns:a="http://schemas.openxmlformats.org/drawingml/2006/main" xmlns:r="http://schemas.openxmlformats.org/officeDocument/2006/relationships" xmlns:p="http://schemas.openxmlformats.org/presentationml/2006/main">
   <p:cSld>
     <p:spTree>
@@ -5034,6 +5577,1142 @@
     <p:extLst>
       <p:ext uri="{BB962C8B-B14F-4D97-AF65-F5344CB8AC3E}">
         <p14:creationId xmlns:p14="http://schemas.microsoft.com/office/powerpoint/2010/main" val="2485627262"/>
+      </p:ext>
+    </p:extLst>
+  </p:cSld>
+  <p:clrMapOvr>
+    <a:masterClrMapping/>
+  </p:clrMapOvr>
+</p:sld>
+</file>
+
+<file path=ppt/slides/slide13.xml><?xml version="1.0" encoding="utf-8"?>
+<p:sld xmlns:a="http://schemas.openxmlformats.org/drawingml/2006/main" xmlns:r="http://schemas.openxmlformats.org/officeDocument/2006/relationships" xmlns:p="http://schemas.openxmlformats.org/presentationml/2006/main">
+  <p:cSld>
+    <p:spTree>
+      <p:nvGrpSpPr>
+        <p:cNvPr id="1" name=""/>
+        <p:cNvGrpSpPr/>
+        <p:nvPr/>
+      </p:nvGrpSpPr>
+      <p:grpSpPr>
+        <a:xfrm>
+          <a:off x="0" y="0"/>
+          <a:ext cx="0" cy="0"/>
+          <a:chOff x="0" y="0"/>
+          <a:chExt cx="0" cy="0"/>
+        </a:xfrm>
+      </p:grpSpPr>
+      <p:sp>
+        <p:nvSpPr>
+          <p:cNvPr id="2" name="Titel 1">
+            <a:extLst>
+              <a:ext uri="{FF2B5EF4-FFF2-40B4-BE49-F238E27FC236}">
+                <a16:creationId xmlns:a16="http://schemas.microsoft.com/office/drawing/2014/main" id="{F32E6D14-6221-4F38-9DDE-E0775B7B6EB1}"/>
+              </a:ext>
+            </a:extLst>
+          </p:cNvPr>
+          <p:cNvSpPr>
+            <a:spLocks noGrp="1"/>
+          </p:cNvSpPr>
+          <p:nvPr>
+            <p:ph type="title"/>
+          </p:nvPr>
+        </p:nvSpPr>
+        <p:spPr/>
+        <p:txBody>
+          <a:bodyPr/>
+          <a:lstStyle/>
+          <a:p>
+            <a:r>
+              <a:rPr lang="de-AT" dirty="0"/>
+              <a:t>Live Coding</a:t>
+            </a:r>
+          </a:p>
+        </p:txBody>
+      </p:sp>
+    </p:spTree>
+    <p:extLst>
+      <p:ext uri="{BB962C8B-B14F-4D97-AF65-F5344CB8AC3E}">
+        <p14:creationId xmlns:p14="http://schemas.microsoft.com/office/powerpoint/2010/main" val="1443280108"/>
+      </p:ext>
+    </p:extLst>
+  </p:cSld>
+  <p:clrMapOvr>
+    <a:masterClrMapping/>
+  </p:clrMapOvr>
+</p:sld>
+</file>
+
+<file path=ppt/slides/slide2.xml><?xml version="1.0" encoding="utf-8"?>
+<p:sld xmlns:a="http://schemas.openxmlformats.org/drawingml/2006/main" xmlns:r="http://schemas.openxmlformats.org/officeDocument/2006/relationships" xmlns:p="http://schemas.openxmlformats.org/presentationml/2006/main">
+  <p:cSld>
+    <p:spTree>
+      <p:nvGrpSpPr>
+        <p:cNvPr id="1" name=""/>
+        <p:cNvGrpSpPr/>
+        <p:nvPr/>
+      </p:nvGrpSpPr>
+      <p:grpSpPr>
+        <a:xfrm>
+          <a:off x="0" y="0"/>
+          <a:ext cx="0" cy="0"/>
+          <a:chOff x="0" y="0"/>
+          <a:chExt cx="0" cy="0"/>
+        </a:xfrm>
+      </p:grpSpPr>
+      <p:sp>
+        <p:nvSpPr>
+          <p:cNvPr id="2" name="Titel 1">
+            <a:extLst>
+              <a:ext uri="{FF2B5EF4-FFF2-40B4-BE49-F238E27FC236}">
+                <a16:creationId xmlns:a16="http://schemas.microsoft.com/office/drawing/2014/main" id="{2756862C-2BAE-42FC-B52A-3828D043BF57}"/>
+              </a:ext>
+            </a:extLst>
+          </p:cNvPr>
+          <p:cNvSpPr>
+            <a:spLocks noGrp="1"/>
+          </p:cNvSpPr>
+          <p:nvPr>
+            <p:ph type="title"/>
+          </p:nvPr>
+        </p:nvSpPr>
+        <p:spPr/>
+        <p:txBody>
+          <a:bodyPr/>
+          <a:lstStyle/>
+          <a:p>
+            <a:r>
+              <a:rPr lang="de-AT" dirty="0"/>
+              <a:t>SQLite Database</a:t>
+            </a:r>
+          </a:p>
+        </p:txBody>
+      </p:sp>
+      <p:sp>
+        <p:nvSpPr>
+          <p:cNvPr id="3" name="Inhaltsplatzhalter 2">
+            <a:extLst>
+              <a:ext uri="{FF2B5EF4-FFF2-40B4-BE49-F238E27FC236}">
+                <a16:creationId xmlns:a16="http://schemas.microsoft.com/office/drawing/2014/main" id="{7B9CF6AD-E90C-47BE-8B38-0EAA14F2216F}"/>
+              </a:ext>
+            </a:extLst>
+          </p:cNvPr>
+          <p:cNvSpPr>
+            <a:spLocks noGrp="1"/>
+          </p:cNvSpPr>
+          <p:nvPr>
+            <p:ph idx="1"/>
+          </p:nvPr>
+        </p:nvSpPr>
+        <p:spPr/>
+        <p:txBody>
+          <a:bodyPr/>
+          <a:lstStyle/>
+          <a:p>
+            <a:r>
+              <a:rPr lang="de-AT" dirty="0"/>
+              <a:t>Den Inhalt einer SQLite DB kann man ganz einfach mit der ADB </a:t>
+            </a:r>
+            <a:r>
+              <a:rPr lang="de-AT" dirty="0" err="1"/>
+              <a:t>shell</a:t>
+            </a:r>
+            <a:r>
+              <a:rPr lang="de-AT" dirty="0"/>
+              <a:t> abfragen.</a:t>
+            </a:r>
+          </a:p>
+          <a:p>
+            <a:endParaRPr lang="de-AT" dirty="0"/>
+          </a:p>
+          <a:p>
+            <a:pPr marL="514350" indent="-514350">
+              <a:buFont typeface="+mj-lt"/>
+              <a:buAutoNum type="arabicPeriod"/>
+            </a:pPr>
+            <a:r>
+              <a:rPr lang="de-AT" dirty="0" err="1"/>
+              <a:t>Win</a:t>
+            </a:r>
+            <a:r>
+              <a:rPr lang="de-AT" dirty="0"/>
+              <a:t> + X, i</a:t>
+            </a:r>
+          </a:p>
+          <a:p>
+            <a:pPr marL="514350" indent="-514350">
+              <a:buFont typeface="+mj-lt"/>
+              <a:buAutoNum type="arabicPeriod"/>
+            </a:pPr>
+            <a:r>
+              <a:rPr lang="de-AT" dirty="0" err="1"/>
+              <a:t>Adb</a:t>
+            </a:r>
+            <a:r>
+              <a:rPr lang="de-AT" dirty="0"/>
+              <a:t> </a:t>
+            </a:r>
+            <a:r>
+              <a:rPr lang="de-AT" dirty="0" err="1"/>
+              <a:t>shell</a:t>
+            </a:r>
+            <a:endParaRPr lang="de-AT" dirty="0"/>
+          </a:p>
+          <a:p>
+            <a:pPr marL="514350" indent="-514350">
+              <a:buFont typeface="+mj-lt"/>
+              <a:buAutoNum type="arabicPeriod"/>
+            </a:pPr>
+            <a:r>
+              <a:rPr lang="de-AT" dirty="0" err="1"/>
+              <a:t>Cd</a:t>
+            </a:r>
+            <a:r>
+              <a:rPr lang="de-AT" dirty="0"/>
+              <a:t> /</a:t>
+            </a:r>
+            <a:r>
+              <a:rPr lang="de-AT" dirty="0" err="1"/>
+              <a:t>data</a:t>
+            </a:r>
+            <a:r>
+              <a:rPr lang="de-AT" dirty="0"/>
+              <a:t>/</a:t>
+            </a:r>
+            <a:r>
+              <a:rPr lang="de-AT" dirty="0" err="1"/>
+              <a:t>data</a:t>
+            </a:r>
+            <a:r>
+              <a:rPr lang="de-AT" dirty="0"/>
+              <a:t>/&lt;</a:t>
+            </a:r>
+            <a:r>
+              <a:rPr lang="de-AT" dirty="0" err="1"/>
+              <a:t>packagename</a:t>
+            </a:r>
+            <a:r>
+              <a:rPr lang="de-AT" dirty="0"/>
+              <a:t>&gt;/</a:t>
+            </a:r>
+            <a:r>
+              <a:rPr lang="de-AT" dirty="0" err="1"/>
+              <a:t>databases</a:t>
+            </a:r>
+            <a:r>
+              <a:rPr lang="de-AT" dirty="0"/>
+              <a:t>/</a:t>
+            </a:r>
+          </a:p>
+          <a:p>
+            <a:pPr marL="514350" indent="-514350">
+              <a:buFont typeface="+mj-lt"/>
+              <a:buAutoNum type="arabicPeriod"/>
+            </a:pPr>
+            <a:r>
+              <a:rPr lang="de-AT" dirty="0"/>
+              <a:t>sqlite3 &lt;</a:t>
+            </a:r>
+            <a:r>
+              <a:rPr lang="de-AT" dirty="0" err="1"/>
+              <a:t>dbname</a:t>
+            </a:r>
+            <a:r>
+              <a:rPr lang="de-AT" dirty="0"/>
+              <a:t>&gt;.</a:t>
+            </a:r>
+            <a:r>
+              <a:rPr lang="de-AT" dirty="0" err="1"/>
+              <a:t>db</a:t>
+            </a:r>
+            <a:endParaRPr lang="de-AT" dirty="0"/>
+          </a:p>
+          <a:p>
+            <a:pPr marL="514350" indent="-514350">
+              <a:buFont typeface="+mj-lt"/>
+              <a:buAutoNum type="arabicPeriod"/>
+            </a:pPr>
+            <a:r>
+              <a:rPr lang="de-AT" dirty="0"/>
+              <a:t>Select * </a:t>
+            </a:r>
+            <a:r>
+              <a:rPr lang="de-AT" dirty="0" err="1"/>
+              <a:t>from</a:t>
+            </a:r>
+            <a:r>
+              <a:rPr lang="de-AT" dirty="0"/>
+              <a:t> TABLE_NAME;</a:t>
+            </a:r>
+          </a:p>
+        </p:txBody>
+      </p:sp>
+    </p:spTree>
+    <p:extLst>
+      <p:ext uri="{BB962C8B-B14F-4D97-AF65-F5344CB8AC3E}">
+        <p14:creationId xmlns:p14="http://schemas.microsoft.com/office/powerpoint/2010/main" val="4006685639"/>
+      </p:ext>
+    </p:extLst>
+  </p:cSld>
+  <p:clrMapOvr>
+    <a:masterClrMapping/>
+  </p:clrMapOvr>
+</p:sld>
+</file>
+
+<file path=ppt/slides/slide3.xml><?xml version="1.0" encoding="utf-8"?>
+<p:sld xmlns:a="http://schemas.openxmlformats.org/drawingml/2006/main" xmlns:r="http://schemas.openxmlformats.org/officeDocument/2006/relationships" xmlns:p="http://schemas.openxmlformats.org/presentationml/2006/main">
+  <p:cSld>
+    <p:spTree>
+      <p:nvGrpSpPr>
+        <p:cNvPr id="1" name=""/>
+        <p:cNvGrpSpPr/>
+        <p:nvPr/>
+      </p:nvGrpSpPr>
+      <p:grpSpPr>
+        <a:xfrm>
+          <a:off x="0" y="0"/>
+          <a:ext cx="0" cy="0"/>
+          <a:chOff x="0" y="0"/>
+          <a:chExt cx="0" cy="0"/>
+        </a:xfrm>
+      </p:grpSpPr>
+      <p:sp>
+        <p:nvSpPr>
+          <p:cNvPr id="2" name="Titel 1">
+            <a:extLst>
+              <a:ext uri="{FF2B5EF4-FFF2-40B4-BE49-F238E27FC236}">
+                <a16:creationId xmlns:a16="http://schemas.microsoft.com/office/drawing/2014/main" id="{A75C37A3-E0EF-4D4E-9B6E-25F5C7D64548}"/>
+              </a:ext>
+            </a:extLst>
+          </p:cNvPr>
+          <p:cNvSpPr>
+            <a:spLocks noGrp="1"/>
+          </p:cNvSpPr>
+          <p:nvPr>
+            <p:ph type="title"/>
+          </p:nvPr>
+        </p:nvSpPr>
+        <p:spPr/>
+        <p:txBody>
+          <a:bodyPr/>
+          <a:lstStyle/>
+          <a:p>
+            <a:r>
+              <a:rPr lang="de-AT" dirty="0"/>
+              <a:t>SQLite Database</a:t>
+            </a:r>
+          </a:p>
+        </p:txBody>
+      </p:sp>
+      <p:sp>
+        <p:nvSpPr>
+          <p:cNvPr id="3" name="Inhaltsplatzhalter 2">
+            <a:extLst>
+              <a:ext uri="{FF2B5EF4-FFF2-40B4-BE49-F238E27FC236}">
+                <a16:creationId xmlns:a16="http://schemas.microsoft.com/office/drawing/2014/main" id="{1EB92CC9-3C14-4518-A92B-7F11A79F1287}"/>
+              </a:ext>
+            </a:extLst>
+          </p:cNvPr>
+          <p:cNvSpPr>
+            <a:spLocks noGrp="1"/>
+          </p:cNvSpPr>
+          <p:nvPr>
+            <p:ph idx="1"/>
+          </p:nvPr>
+        </p:nvSpPr>
+        <p:spPr>
+          <a:xfrm>
+            <a:off x="660918" y="1690688"/>
+            <a:ext cx="10515600" cy="4351338"/>
+          </a:xfrm>
+        </p:spPr>
+        <p:txBody>
+          <a:bodyPr/>
+          <a:lstStyle/>
+          <a:p>
+            <a:r>
+              <a:rPr lang="de-AT" dirty="0"/>
+              <a:t>Es gibt 2 Wege, Daten abzufragen:</a:t>
+            </a:r>
+          </a:p>
+          <a:p>
+            <a:pPr lvl="1"/>
+            <a:r>
+              <a:rPr lang="de-AT" dirty="0" err="1"/>
+              <a:t>SQLiteDataBase</a:t>
+            </a:r>
+            <a:r>
+              <a:rPr lang="de-AT" dirty="0"/>
+              <a:t> -&gt; </a:t>
+            </a:r>
+            <a:r>
+              <a:rPr lang="de-AT" dirty="0" err="1"/>
+              <a:t>query</a:t>
+            </a:r>
+            <a:r>
+              <a:rPr lang="de-AT" dirty="0"/>
+              <a:t>()</a:t>
+            </a:r>
+          </a:p>
+          <a:p>
+            <a:pPr lvl="1"/>
+            <a:r>
+              <a:rPr lang="de-AT" dirty="0" err="1"/>
+              <a:t>SQLiteDataBase</a:t>
+            </a:r>
+            <a:r>
+              <a:rPr lang="de-AT" dirty="0"/>
+              <a:t> -&gt; </a:t>
+            </a:r>
+            <a:r>
+              <a:rPr lang="de-AT" dirty="0" err="1"/>
+              <a:t>rawQuery</a:t>
+            </a:r>
+            <a:r>
+              <a:rPr lang="de-AT" dirty="0"/>
+              <a:t>()</a:t>
+            </a:r>
+          </a:p>
+          <a:p>
+            <a:pPr lvl="1"/>
+            <a:endParaRPr lang="de-AT" dirty="0"/>
+          </a:p>
+          <a:p>
+            <a:pPr lvl="1"/>
+            <a:r>
+              <a:rPr lang="de-AT" dirty="0"/>
+              <a:t>Beide geben einen Cursor zurück</a:t>
+            </a:r>
+          </a:p>
+          <a:p>
+            <a:pPr lvl="2"/>
+            <a:r>
+              <a:rPr lang="de-AT" dirty="0"/>
+              <a:t>Cursors immer schließen  </a:t>
+            </a:r>
+            <a:r>
+              <a:rPr lang="de-AT" dirty="0" err="1"/>
+              <a:t>c.close</a:t>
+            </a:r>
+            <a:r>
+              <a:rPr lang="de-AT" dirty="0"/>
+              <a:t>()</a:t>
+            </a:r>
+          </a:p>
+        </p:txBody>
+      </p:sp>
+    </p:spTree>
+    <p:extLst>
+      <p:ext uri="{BB962C8B-B14F-4D97-AF65-F5344CB8AC3E}">
+        <p14:creationId xmlns:p14="http://schemas.microsoft.com/office/powerpoint/2010/main" val="1287194629"/>
+      </p:ext>
+    </p:extLst>
+  </p:cSld>
+  <p:clrMapOvr>
+    <a:masterClrMapping/>
+  </p:clrMapOvr>
+</p:sld>
+</file>
+
+<file path=ppt/slides/slide4.xml><?xml version="1.0" encoding="utf-8"?>
+<p:sld xmlns:a="http://schemas.openxmlformats.org/drawingml/2006/main" xmlns:r="http://schemas.openxmlformats.org/officeDocument/2006/relationships" xmlns:p="http://schemas.openxmlformats.org/presentationml/2006/main">
+  <p:cSld>
+    <p:spTree>
+      <p:nvGrpSpPr>
+        <p:cNvPr id="1" name=""/>
+        <p:cNvGrpSpPr/>
+        <p:nvPr/>
+      </p:nvGrpSpPr>
+      <p:grpSpPr>
+        <a:xfrm>
+          <a:off x="0" y="0"/>
+          <a:ext cx="0" cy="0"/>
+          <a:chOff x="0" y="0"/>
+          <a:chExt cx="0" cy="0"/>
+        </a:xfrm>
+      </p:grpSpPr>
+      <p:sp>
+        <p:nvSpPr>
+          <p:cNvPr id="2" name="Titel 1">
+            <a:extLst>
+              <a:ext uri="{FF2B5EF4-FFF2-40B4-BE49-F238E27FC236}">
+                <a16:creationId xmlns:a16="http://schemas.microsoft.com/office/drawing/2014/main" id="{6275D2A5-3E11-4A7A-BAAC-BBCF1AE959A0}"/>
+              </a:ext>
+            </a:extLst>
+          </p:cNvPr>
+          <p:cNvSpPr>
+            <a:spLocks noGrp="1"/>
+          </p:cNvSpPr>
+          <p:nvPr>
+            <p:ph type="title"/>
+          </p:nvPr>
+        </p:nvSpPr>
+        <p:spPr/>
+        <p:txBody>
+          <a:bodyPr/>
+          <a:lstStyle/>
+          <a:p>
+            <a:r>
+              <a:rPr lang="de-AT" dirty="0"/>
+              <a:t>SQLite Database – </a:t>
+            </a:r>
+            <a:r>
+              <a:rPr lang="de-AT" dirty="0" err="1"/>
+              <a:t>rawQuery</a:t>
+            </a:r>
+            <a:r>
+              <a:rPr lang="de-AT" dirty="0"/>
+              <a:t>()</a:t>
+            </a:r>
+          </a:p>
+        </p:txBody>
+      </p:sp>
+      <p:pic>
+        <p:nvPicPr>
+          <p:cNvPr id="4" name="Inhaltsplatzhalter 3">
+            <a:extLst>
+              <a:ext uri="{FF2B5EF4-FFF2-40B4-BE49-F238E27FC236}">
+                <a16:creationId xmlns:a16="http://schemas.microsoft.com/office/drawing/2014/main" id="{04017529-CD47-491E-A91B-F807F20F684F}"/>
+              </a:ext>
+            </a:extLst>
+          </p:cNvPr>
+          <p:cNvPicPr>
+            <a:picLocks noGrp="1" noChangeAspect="1"/>
+          </p:cNvPicPr>
+          <p:nvPr>
+            <p:ph idx="1"/>
+          </p:nvPr>
+        </p:nvPicPr>
+        <p:blipFill>
+          <a:blip r:embed="rId3"/>
+          <a:stretch>
+            <a:fillRect/>
+          </a:stretch>
+        </p:blipFill>
+        <p:spPr>
+          <a:xfrm>
+            <a:off x="1745325" y="1518792"/>
+            <a:ext cx="8701349" cy="3820416"/>
+          </a:xfrm>
+          <a:prstGeom prst="rect">
+            <a:avLst/>
+          </a:prstGeom>
+        </p:spPr>
+      </p:pic>
+    </p:spTree>
+    <p:extLst>
+      <p:ext uri="{BB962C8B-B14F-4D97-AF65-F5344CB8AC3E}">
+        <p14:creationId xmlns:p14="http://schemas.microsoft.com/office/powerpoint/2010/main" val="3308893736"/>
+      </p:ext>
+    </p:extLst>
+  </p:cSld>
+  <p:clrMapOvr>
+    <a:masterClrMapping/>
+  </p:clrMapOvr>
+</p:sld>
+</file>
+
+<file path=ppt/slides/slide5.xml><?xml version="1.0" encoding="utf-8"?>
+<p:sld xmlns:a="http://schemas.openxmlformats.org/drawingml/2006/main" xmlns:r="http://schemas.openxmlformats.org/officeDocument/2006/relationships" xmlns:p="http://schemas.openxmlformats.org/presentationml/2006/main">
+  <p:cSld>
+    <p:spTree>
+      <p:nvGrpSpPr>
+        <p:cNvPr id="1" name=""/>
+        <p:cNvGrpSpPr/>
+        <p:nvPr/>
+      </p:nvGrpSpPr>
+      <p:grpSpPr>
+        <a:xfrm>
+          <a:off x="0" y="0"/>
+          <a:ext cx="0" cy="0"/>
+          <a:chOff x="0" y="0"/>
+          <a:chExt cx="0" cy="0"/>
+        </a:xfrm>
+      </p:grpSpPr>
+      <p:sp>
+        <p:nvSpPr>
+          <p:cNvPr id="2" name="Titel 1">
+            <a:extLst>
+              <a:ext uri="{FF2B5EF4-FFF2-40B4-BE49-F238E27FC236}">
+                <a16:creationId xmlns:a16="http://schemas.microsoft.com/office/drawing/2014/main" id="{502EE3E8-FA13-40A5-AD30-D705B92A8E95}"/>
+              </a:ext>
+            </a:extLst>
+          </p:cNvPr>
+          <p:cNvSpPr>
+            <a:spLocks noGrp="1"/>
+          </p:cNvSpPr>
+          <p:nvPr>
+            <p:ph type="title"/>
+          </p:nvPr>
+        </p:nvSpPr>
+        <p:spPr/>
+        <p:txBody>
+          <a:bodyPr/>
+          <a:lstStyle/>
+          <a:p>
+            <a:r>
+              <a:rPr lang="de-AT" dirty="0"/>
+              <a:t>SQLite Database – </a:t>
+            </a:r>
+            <a:r>
+              <a:rPr lang="de-AT" dirty="0" err="1"/>
+              <a:t>query</a:t>
+            </a:r>
+            <a:r>
+              <a:rPr lang="de-AT" dirty="0"/>
+              <a:t>()</a:t>
+            </a:r>
+          </a:p>
+        </p:txBody>
+      </p:sp>
+      <p:pic>
+        <p:nvPicPr>
+          <p:cNvPr id="4" name="Inhaltsplatzhalter 3" descr="Ein Bild, das Screenshot enthält.&#10;&#10;Mit sehr hoher Zuverlässigkeit generierte Beschreibung">
+            <a:extLst>
+              <a:ext uri="{FF2B5EF4-FFF2-40B4-BE49-F238E27FC236}">
+                <a16:creationId xmlns:a16="http://schemas.microsoft.com/office/drawing/2014/main" id="{12C30884-5993-4DB7-A5EF-D2E4055E734D}"/>
+              </a:ext>
+            </a:extLst>
+          </p:cNvPr>
+          <p:cNvPicPr>
+            <a:picLocks noGrp="1" noChangeAspect="1"/>
+          </p:cNvPicPr>
+          <p:nvPr>
+            <p:ph idx="1"/>
+          </p:nvPr>
+        </p:nvPicPr>
+        <p:blipFill>
+          <a:blip r:embed="rId3">
+            <a:extLst>
+              <a:ext uri="{28A0092B-C50C-407E-A947-70E740481C1C}">
+                <a14:useLocalDpi xmlns:a14="http://schemas.microsoft.com/office/drawing/2010/main" val="0"/>
+              </a:ext>
+            </a:extLst>
+          </a:blip>
+          <a:stretch>
+            <a:fillRect/>
+          </a:stretch>
+        </p:blipFill>
+        <p:spPr>
+          <a:xfrm>
+            <a:off x="1755914" y="1570459"/>
+            <a:ext cx="8680172" cy="3717082"/>
+          </a:xfrm>
+          <a:prstGeom prst="rect">
+            <a:avLst/>
+          </a:prstGeom>
+        </p:spPr>
+      </p:pic>
+    </p:spTree>
+    <p:extLst>
+      <p:ext uri="{BB962C8B-B14F-4D97-AF65-F5344CB8AC3E}">
+        <p14:creationId xmlns:p14="http://schemas.microsoft.com/office/powerpoint/2010/main" val="474670910"/>
+      </p:ext>
+    </p:extLst>
+  </p:cSld>
+  <p:clrMapOvr>
+    <a:masterClrMapping/>
+  </p:clrMapOvr>
+</p:sld>
+</file>
+
+<file path=ppt/slides/slide6.xml><?xml version="1.0" encoding="utf-8"?>
+<p:sld xmlns:a="http://schemas.openxmlformats.org/drawingml/2006/main" xmlns:r="http://schemas.openxmlformats.org/officeDocument/2006/relationships" xmlns:p="http://schemas.openxmlformats.org/presentationml/2006/main">
+  <p:cSld>
+    <p:spTree>
+      <p:nvGrpSpPr>
+        <p:cNvPr id="1" name=""/>
+        <p:cNvGrpSpPr/>
+        <p:nvPr/>
+      </p:nvGrpSpPr>
+      <p:grpSpPr>
+        <a:xfrm>
+          <a:off x="0" y="0"/>
+          <a:ext cx="0" cy="0"/>
+          <a:chOff x="0" y="0"/>
+          <a:chExt cx="0" cy="0"/>
+        </a:xfrm>
+      </p:grpSpPr>
+      <p:sp>
+        <p:nvSpPr>
+          <p:cNvPr id="2" name="Titel 1">
+            <a:extLst>
+              <a:ext uri="{FF2B5EF4-FFF2-40B4-BE49-F238E27FC236}">
+                <a16:creationId xmlns:a16="http://schemas.microsoft.com/office/drawing/2014/main" id="{26F3B380-8A1D-4E69-ADBE-0C72853D40A0}"/>
+              </a:ext>
+            </a:extLst>
+          </p:cNvPr>
+          <p:cNvSpPr>
+            <a:spLocks noGrp="1"/>
+          </p:cNvSpPr>
+          <p:nvPr>
+            <p:ph type="title"/>
+          </p:nvPr>
+        </p:nvSpPr>
+        <p:spPr/>
+        <p:txBody>
+          <a:bodyPr/>
+          <a:lstStyle/>
+          <a:p>
+            <a:r>
+              <a:rPr lang="de-AT" dirty="0"/>
+              <a:t>SQLite Database – </a:t>
+            </a:r>
+            <a:r>
+              <a:rPr lang="de-AT" dirty="0" err="1"/>
+              <a:t>query</a:t>
+            </a:r>
+            <a:r>
+              <a:rPr lang="de-AT" dirty="0"/>
+              <a:t>()</a:t>
+            </a:r>
+          </a:p>
+        </p:txBody>
+      </p:sp>
+      <p:pic>
+        <p:nvPicPr>
+          <p:cNvPr id="4" name="Inhaltsplatzhalter 3">
+            <a:extLst>
+              <a:ext uri="{FF2B5EF4-FFF2-40B4-BE49-F238E27FC236}">
+                <a16:creationId xmlns:a16="http://schemas.microsoft.com/office/drawing/2014/main" id="{9135D1D5-D0FF-4769-9555-EF511469130C}"/>
+              </a:ext>
+            </a:extLst>
+          </p:cNvPr>
+          <p:cNvPicPr>
+            <a:picLocks noGrp="1" noChangeAspect="1"/>
+          </p:cNvPicPr>
+          <p:nvPr>
+            <p:ph idx="1"/>
+          </p:nvPr>
+        </p:nvPicPr>
+        <p:blipFill>
+          <a:blip r:embed="rId3"/>
+          <a:stretch>
+            <a:fillRect/>
+          </a:stretch>
+        </p:blipFill>
+        <p:spPr>
+          <a:xfrm>
+            <a:off x="68852" y="1658265"/>
+            <a:ext cx="12054296" cy="3541469"/>
+          </a:xfrm>
+          <a:prstGeom prst="rect">
+            <a:avLst/>
+          </a:prstGeom>
+        </p:spPr>
+      </p:pic>
+    </p:spTree>
+    <p:extLst>
+      <p:ext uri="{BB962C8B-B14F-4D97-AF65-F5344CB8AC3E}">
+        <p14:creationId xmlns:p14="http://schemas.microsoft.com/office/powerpoint/2010/main" val="2850240046"/>
+      </p:ext>
+    </p:extLst>
+  </p:cSld>
+  <p:clrMapOvr>
+    <a:masterClrMapping/>
+  </p:clrMapOvr>
+</p:sld>
+</file>
+
+<file path=ppt/slides/slide7.xml><?xml version="1.0" encoding="utf-8"?>
+<p:sld xmlns:a="http://schemas.openxmlformats.org/drawingml/2006/main" xmlns:r="http://schemas.openxmlformats.org/officeDocument/2006/relationships" xmlns:p="http://schemas.openxmlformats.org/presentationml/2006/main">
+  <p:cSld>
+    <p:spTree>
+      <p:nvGrpSpPr>
+        <p:cNvPr id="1" name=""/>
+        <p:cNvGrpSpPr/>
+        <p:nvPr/>
+      </p:nvGrpSpPr>
+      <p:grpSpPr>
+        <a:xfrm>
+          <a:off x="0" y="0"/>
+          <a:ext cx="0" cy="0"/>
+          <a:chOff x="0" y="0"/>
+          <a:chExt cx="0" cy="0"/>
+        </a:xfrm>
+      </p:grpSpPr>
+      <p:sp>
+        <p:nvSpPr>
+          <p:cNvPr id="2" name="Titel 1">
+            <a:extLst>
+              <a:ext uri="{FF2B5EF4-FFF2-40B4-BE49-F238E27FC236}">
+                <a16:creationId xmlns:a16="http://schemas.microsoft.com/office/drawing/2014/main" id="{ECA75E76-2825-4BFD-B231-E11E604ECACE}"/>
+              </a:ext>
+            </a:extLst>
+          </p:cNvPr>
+          <p:cNvSpPr>
+            <a:spLocks noGrp="1"/>
+          </p:cNvSpPr>
+          <p:nvPr>
+            <p:ph type="title"/>
+          </p:nvPr>
+        </p:nvSpPr>
+        <p:spPr/>
+        <p:txBody>
+          <a:bodyPr/>
+          <a:lstStyle/>
+          <a:p>
+            <a:r>
+              <a:rPr lang="de-AT" dirty="0"/>
+              <a:t>Content Providers</a:t>
+            </a:r>
+          </a:p>
+        </p:txBody>
+      </p:sp>
+      <p:sp>
+        <p:nvSpPr>
+          <p:cNvPr id="3" name="Inhaltsplatzhalter 2">
+            <a:extLst>
+              <a:ext uri="{FF2B5EF4-FFF2-40B4-BE49-F238E27FC236}">
+                <a16:creationId xmlns:a16="http://schemas.microsoft.com/office/drawing/2014/main" id="{F05D32C6-2EFD-48BA-93B1-10D5FEDF1C05}"/>
+              </a:ext>
+            </a:extLst>
+          </p:cNvPr>
+          <p:cNvSpPr>
+            <a:spLocks noGrp="1"/>
+          </p:cNvSpPr>
+          <p:nvPr>
+            <p:ph idx="1"/>
+          </p:nvPr>
+        </p:nvSpPr>
+        <p:spPr>
+          <a:xfrm>
+            <a:off x="838200" y="1825625"/>
+            <a:ext cx="10515600" cy="4351338"/>
+          </a:xfrm>
+        </p:spPr>
+        <p:txBody>
+          <a:bodyPr/>
+          <a:lstStyle/>
+          <a:p>
+            <a:r>
+              <a:rPr lang="de-AT" dirty="0"/>
+              <a:t>Ermöglicht es, Daten zwischen Apps auszutauschen</a:t>
+            </a:r>
+          </a:p>
+          <a:p>
+            <a:r>
+              <a:rPr lang="de-AT" dirty="0"/>
+              <a:t>Konstanten werden in </a:t>
+            </a:r>
+            <a:r>
+              <a:rPr lang="de-AT" dirty="0" err="1"/>
+              <a:t>Contract</a:t>
+            </a:r>
+            <a:r>
+              <a:rPr lang="de-AT" dirty="0"/>
+              <a:t>-Files gespeichert</a:t>
+            </a:r>
+          </a:p>
+          <a:p>
+            <a:r>
+              <a:rPr lang="de-AT" dirty="0"/>
+              <a:t>Rechte können individuell vergeben werden, z.B.</a:t>
+            </a:r>
+          </a:p>
+          <a:p>
+            <a:pPr lvl="1"/>
+            <a:r>
+              <a:rPr lang="de-AT" dirty="0"/>
+              <a:t>Read Access</a:t>
+            </a:r>
+          </a:p>
+          <a:p>
+            <a:pPr lvl="1"/>
+            <a:r>
+              <a:rPr lang="de-AT" dirty="0"/>
+              <a:t>Write Access</a:t>
+            </a:r>
+          </a:p>
+          <a:p>
+            <a:pPr lvl="1"/>
+            <a:endParaRPr lang="de-AT" dirty="0"/>
+          </a:p>
+        </p:txBody>
+      </p:sp>
+      <p:pic>
+        <p:nvPicPr>
+          <p:cNvPr id="4" name="Grafik 3">
+            <a:extLst>
+              <a:ext uri="{FF2B5EF4-FFF2-40B4-BE49-F238E27FC236}">
+                <a16:creationId xmlns:a16="http://schemas.microsoft.com/office/drawing/2014/main" id="{B075BAF0-F76D-43C6-814F-181A6D3BF4C8}"/>
+              </a:ext>
+            </a:extLst>
+          </p:cNvPr>
+          <p:cNvPicPr>
+            <a:picLocks noChangeAspect="1"/>
+          </p:cNvPicPr>
+          <p:nvPr/>
+        </p:nvPicPr>
+        <p:blipFill>
+          <a:blip r:embed="rId3"/>
+          <a:stretch>
+            <a:fillRect/>
+          </a:stretch>
+        </p:blipFill>
+        <p:spPr>
+          <a:xfrm>
+            <a:off x="923180" y="4590662"/>
+            <a:ext cx="10345640" cy="1465003"/>
+          </a:xfrm>
+          <a:prstGeom prst="rect">
+            <a:avLst/>
+          </a:prstGeom>
+        </p:spPr>
+      </p:pic>
+    </p:spTree>
+    <p:extLst>
+      <p:ext uri="{BB962C8B-B14F-4D97-AF65-F5344CB8AC3E}">
+        <p14:creationId xmlns:p14="http://schemas.microsoft.com/office/powerpoint/2010/main" val="1612712166"/>
+      </p:ext>
+    </p:extLst>
+  </p:cSld>
+  <p:clrMapOvr>
+    <a:masterClrMapping/>
+  </p:clrMapOvr>
+</p:sld>
+</file>
+
+<file path=ppt/slides/slide8.xml><?xml version="1.0" encoding="utf-8"?>
+<p:sld xmlns:a="http://schemas.openxmlformats.org/drawingml/2006/main" xmlns:r="http://schemas.openxmlformats.org/officeDocument/2006/relationships" xmlns:p="http://schemas.openxmlformats.org/presentationml/2006/main">
+  <p:cSld>
+    <p:spTree>
+      <p:nvGrpSpPr>
+        <p:cNvPr id="1" name=""/>
+        <p:cNvGrpSpPr/>
+        <p:nvPr/>
+      </p:nvGrpSpPr>
+      <p:grpSpPr>
+        <a:xfrm>
+          <a:off x="0" y="0"/>
+          <a:ext cx="0" cy="0"/>
+          <a:chOff x="0" y="0"/>
+          <a:chExt cx="0" cy="0"/>
+        </a:xfrm>
+      </p:grpSpPr>
+      <p:sp>
+        <p:nvSpPr>
+          <p:cNvPr id="2" name="Titel 1">
+            <a:extLst>
+              <a:ext uri="{FF2B5EF4-FFF2-40B4-BE49-F238E27FC236}">
+                <a16:creationId xmlns:a16="http://schemas.microsoft.com/office/drawing/2014/main" id="{96FA28D0-338B-484A-9D96-D362650FDDFC}"/>
+              </a:ext>
+            </a:extLst>
+          </p:cNvPr>
+          <p:cNvSpPr>
+            <a:spLocks noGrp="1"/>
+          </p:cNvSpPr>
+          <p:nvPr>
+            <p:ph type="title"/>
+          </p:nvPr>
+        </p:nvSpPr>
+        <p:spPr/>
+        <p:txBody>
+          <a:bodyPr/>
+          <a:lstStyle/>
+          <a:p>
+            <a:r>
+              <a:rPr lang="de-AT" dirty="0"/>
+              <a:t>Content Providers - AndroidManifest.xml </a:t>
+            </a:r>
+          </a:p>
+        </p:txBody>
+      </p:sp>
+      <p:sp>
+        <p:nvSpPr>
+          <p:cNvPr id="3" name="Inhaltsplatzhalter 2">
+            <a:extLst>
+              <a:ext uri="{FF2B5EF4-FFF2-40B4-BE49-F238E27FC236}">
+                <a16:creationId xmlns:a16="http://schemas.microsoft.com/office/drawing/2014/main" id="{7AC95D82-8F61-408E-854A-2EBB9BC82826}"/>
+              </a:ext>
+            </a:extLst>
+          </p:cNvPr>
+          <p:cNvSpPr>
+            <a:spLocks noGrp="1"/>
+          </p:cNvSpPr>
+          <p:nvPr>
+            <p:ph idx="1"/>
+          </p:nvPr>
+        </p:nvSpPr>
+        <p:spPr/>
+        <p:txBody>
+          <a:bodyPr/>
+          <a:lstStyle/>
+          <a:p>
+            <a:r>
+              <a:rPr lang="de-AT" dirty="0"/>
+              <a:t>Müssen definiert werden</a:t>
+            </a:r>
+          </a:p>
+          <a:p>
+            <a:endParaRPr lang="de-AT" dirty="0"/>
+          </a:p>
+          <a:p>
+            <a:pPr lvl="1"/>
+            <a:endParaRPr lang="de-AT" dirty="0"/>
+          </a:p>
+        </p:txBody>
+      </p:sp>
+      <p:pic>
+        <p:nvPicPr>
+          <p:cNvPr id="4" name="Grafik 3">
+            <a:extLst>
+              <a:ext uri="{FF2B5EF4-FFF2-40B4-BE49-F238E27FC236}">
+                <a16:creationId xmlns:a16="http://schemas.microsoft.com/office/drawing/2014/main" id="{C9F763CE-E2C3-4B06-80CC-DC2FDD0F9616}"/>
+              </a:ext>
+            </a:extLst>
+          </p:cNvPr>
+          <p:cNvPicPr>
+            <a:picLocks noChangeAspect="1"/>
+          </p:cNvPicPr>
+          <p:nvPr/>
+        </p:nvPicPr>
+        <p:blipFill>
+          <a:blip r:embed="rId2"/>
+          <a:stretch>
+            <a:fillRect/>
+          </a:stretch>
+        </p:blipFill>
+        <p:spPr>
+          <a:xfrm>
+            <a:off x="214065" y="2842597"/>
+            <a:ext cx="11763870" cy="2317394"/>
+          </a:xfrm>
+          <a:prstGeom prst="rect">
+            <a:avLst/>
+          </a:prstGeom>
+        </p:spPr>
+      </p:pic>
+    </p:spTree>
+    <p:extLst>
+      <p:ext uri="{BB962C8B-B14F-4D97-AF65-F5344CB8AC3E}">
+        <p14:creationId xmlns:p14="http://schemas.microsoft.com/office/powerpoint/2010/main" val="945080771"/>
+      </p:ext>
+    </p:extLst>
+  </p:cSld>
+  <p:clrMapOvr>
+    <a:masterClrMapping/>
+  </p:clrMapOvr>
+</p:sld>
+</file>
+
+<file path=ppt/slides/slide9.xml><?xml version="1.0" encoding="utf-8"?>
+<p:sld xmlns:a="http://schemas.openxmlformats.org/drawingml/2006/main" xmlns:r="http://schemas.openxmlformats.org/officeDocument/2006/relationships" xmlns:p="http://schemas.openxmlformats.org/presentationml/2006/main">
+  <p:cSld>
+    <p:spTree>
+      <p:nvGrpSpPr>
+        <p:cNvPr id="1" name=""/>
+        <p:cNvGrpSpPr/>
+        <p:nvPr/>
+      </p:nvGrpSpPr>
+      <p:grpSpPr>
+        <a:xfrm>
+          <a:off x="0" y="0"/>
+          <a:ext cx="0" cy="0"/>
+          <a:chOff x="0" y="0"/>
+          <a:chExt cx="0" cy="0"/>
+        </a:xfrm>
+      </p:grpSpPr>
+      <p:sp>
+        <p:nvSpPr>
+          <p:cNvPr id="2" name="Titel 1">
+            <a:extLst>
+              <a:ext uri="{FF2B5EF4-FFF2-40B4-BE49-F238E27FC236}">
+                <a16:creationId xmlns:a16="http://schemas.microsoft.com/office/drawing/2014/main" id="{569E2563-BCA9-4152-AF78-5FBB783C4D96}"/>
+              </a:ext>
+            </a:extLst>
+          </p:cNvPr>
+          <p:cNvSpPr>
+            <a:spLocks noGrp="1"/>
+          </p:cNvSpPr>
+          <p:nvPr>
+            <p:ph type="title"/>
+          </p:nvPr>
+        </p:nvSpPr>
+        <p:spPr/>
+        <p:txBody>
+          <a:bodyPr/>
+          <a:lstStyle/>
+          <a:p>
+            <a:r>
+              <a:rPr lang="de-AT" dirty="0"/>
+              <a:t>Content Providers - AndroidManifest.xml </a:t>
+            </a:r>
+          </a:p>
+        </p:txBody>
+      </p:sp>
+      <p:sp>
+        <p:nvSpPr>
+          <p:cNvPr id="3" name="Inhaltsplatzhalter 2">
+            <a:extLst>
+              <a:ext uri="{FF2B5EF4-FFF2-40B4-BE49-F238E27FC236}">
+                <a16:creationId xmlns:a16="http://schemas.microsoft.com/office/drawing/2014/main" id="{843D8F2E-3611-49CC-8451-B355885CC961}"/>
+              </a:ext>
+            </a:extLst>
+          </p:cNvPr>
+          <p:cNvSpPr>
+            <a:spLocks noGrp="1"/>
+          </p:cNvSpPr>
+          <p:nvPr>
+            <p:ph idx="1"/>
+          </p:nvPr>
+        </p:nvSpPr>
+        <p:spPr/>
+        <p:txBody>
+          <a:bodyPr/>
+          <a:lstStyle/>
+          <a:p>
+            <a:r>
+              <a:rPr lang="de-AT" dirty="0"/>
+              <a:t>Außerdem müssen Rechte definiert werden (</a:t>
+            </a:r>
+            <a:r>
+              <a:rPr lang="de-AT" dirty="0" err="1"/>
+              <a:t>Permissions</a:t>
+            </a:r>
+            <a:r>
+              <a:rPr lang="de-AT" dirty="0"/>
+              <a:t>)</a:t>
+            </a:r>
+          </a:p>
+        </p:txBody>
+      </p:sp>
+      <p:pic>
+        <p:nvPicPr>
+          <p:cNvPr id="4" name="Grafik 3">
+            <a:extLst>
+              <a:ext uri="{FF2B5EF4-FFF2-40B4-BE49-F238E27FC236}">
+                <a16:creationId xmlns:a16="http://schemas.microsoft.com/office/drawing/2014/main" id="{AB277312-F56E-4E66-8C12-3BD266D37F99}"/>
+              </a:ext>
+            </a:extLst>
+          </p:cNvPr>
+          <p:cNvPicPr>
+            <a:picLocks noChangeAspect="1"/>
+          </p:cNvPicPr>
+          <p:nvPr/>
+        </p:nvPicPr>
+        <p:blipFill>
+          <a:blip r:embed="rId2"/>
+          <a:stretch>
+            <a:fillRect/>
+          </a:stretch>
+        </p:blipFill>
+        <p:spPr>
+          <a:xfrm>
+            <a:off x="38858" y="3250763"/>
+            <a:ext cx="12114284" cy="1778435"/>
+          </a:xfrm>
+          <a:prstGeom prst="rect">
+            <a:avLst/>
+          </a:prstGeom>
+        </p:spPr>
+      </p:pic>
+    </p:spTree>
+    <p:extLst>
+      <p:ext uri="{BB962C8B-B14F-4D97-AF65-F5344CB8AC3E}">
+        <p14:creationId xmlns:p14="http://schemas.microsoft.com/office/powerpoint/2010/main" val="2675426148"/>
       </p:ext>
     </p:extLst>
   </p:cSld>

--- a/Android Panzenboeck.pptx
+++ b/Android Panzenboeck.pptx
@@ -6071,19 +6071,17 @@
       </p:sp>
       <p:pic>
         <p:nvPicPr>
-          <p:cNvPr id="4" name="Inhaltsplatzhalter 3">
-            <a:extLst>
-              <a:ext uri="{FF2B5EF4-FFF2-40B4-BE49-F238E27FC236}">
-                <a16:creationId xmlns:a16="http://schemas.microsoft.com/office/drawing/2014/main" id="{04017529-CD47-491E-A91B-F807F20F684F}"/>
+          <p:cNvPr id="8" name="Grafik 7">
+            <a:extLst>
+              <a:ext uri="{FF2B5EF4-FFF2-40B4-BE49-F238E27FC236}">
+                <a16:creationId xmlns:a16="http://schemas.microsoft.com/office/drawing/2014/main" id="{409F4361-C97F-4E4D-895A-8A34369F8E67}"/>
               </a:ext>
             </a:extLst>
           </p:cNvPr>
           <p:cNvPicPr>
-            <a:picLocks noGrp="1" noChangeAspect="1"/>
+            <a:picLocks noChangeAspect="1"/>
           </p:cNvPicPr>
-          <p:nvPr>
-            <p:ph idx="1"/>
-          </p:nvPr>
+          <p:nvPr/>
         </p:nvPicPr>
         <p:blipFill>
           <a:blip r:embed="rId3"/>
@@ -6093,8 +6091,8 @@
         </p:blipFill>
         <p:spPr>
           <a:xfrm>
-            <a:off x="1745325" y="1518792"/>
-            <a:ext cx="8701349" cy="3820416"/>
+            <a:off x="1490791" y="1912776"/>
+            <a:ext cx="9210417" cy="3958983"/>
           </a:xfrm>
           <a:prstGeom prst="rect">
             <a:avLst/>
@@ -6169,36 +6167,28 @@
       </p:sp>
       <p:pic>
         <p:nvPicPr>
-          <p:cNvPr id="4" name="Inhaltsplatzhalter 3" descr="Ein Bild, das Screenshot enthält.&#10;&#10;Mit sehr hoher Zuverlässigkeit generierte Beschreibung">
-            <a:extLst>
-              <a:ext uri="{FF2B5EF4-FFF2-40B4-BE49-F238E27FC236}">
-                <a16:creationId xmlns:a16="http://schemas.microsoft.com/office/drawing/2014/main" id="{12C30884-5993-4DB7-A5EF-D2E4055E734D}"/>
+          <p:cNvPr id="6" name="Grafik 5">
+            <a:extLst>
+              <a:ext uri="{FF2B5EF4-FFF2-40B4-BE49-F238E27FC236}">
+                <a16:creationId xmlns:a16="http://schemas.microsoft.com/office/drawing/2014/main" id="{A31AF44D-7AA2-4E61-B5DF-9AED312C519C}"/>
               </a:ext>
             </a:extLst>
           </p:cNvPr>
           <p:cNvPicPr>
-            <a:picLocks noGrp="1" noChangeAspect="1"/>
+            <a:picLocks noChangeAspect="1"/>
           </p:cNvPicPr>
-          <p:nvPr>
-            <p:ph idx="1"/>
-          </p:nvPr>
+          <p:nvPr/>
         </p:nvPicPr>
         <p:blipFill>
-          <a:blip r:embed="rId3">
-            <a:extLst>
-              <a:ext uri="{28A0092B-C50C-407E-A947-70E740481C1C}">
-                <a14:useLocalDpi xmlns:a14="http://schemas.microsoft.com/office/drawing/2010/main" val="0"/>
-              </a:ext>
-            </a:extLst>
-          </a:blip>
+          <a:blip r:embed="rId3"/>
           <a:stretch>
             <a:fillRect/>
           </a:stretch>
         </p:blipFill>
         <p:spPr>
           <a:xfrm>
-            <a:off x="1755914" y="1570459"/>
-            <a:ext cx="8680172" cy="3717082"/>
+            <a:off x="382999" y="2183364"/>
+            <a:ext cx="11426001" cy="2673706"/>
           </a:xfrm>
           <a:prstGeom prst="rect">
             <a:avLst/>

--- a/Android Panzenboeck.pptx
+++ b/Android Panzenboeck.pptx
@@ -1018,6 +1018,25 @@
               <a:rPr lang="de-AT" dirty="0"/>
               <a:t>Rechte: z.B. nur Read Access aber nicht Write Access</a:t>
             </a:r>
+          </a:p>
+          <a:p>
+            <a:r>
+              <a:rPr lang="de-AT" dirty="0"/>
+              <a:t>Üblicherweise werden Daten wie z.B. Bilder </a:t>
+            </a:r>
+            <a:r>
+              <a:rPr lang="de-AT" dirty="0" err="1"/>
+              <a:t>bzw</a:t>
+            </a:r>
+            <a:r>
+              <a:rPr lang="de-AT" dirty="0"/>
+              <a:t> Kontakte </a:t>
+            </a:r>
+            <a:r>
+              <a:rPr lang="de-AT" dirty="0" err="1"/>
+              <a:t>geshared</a:t>
+            </a:r>
+            <a:endParaRPr lang="de-AT" dirty="0"/>
           </a:p>
         </p:txBody>
       </p:sp>
@@ -5737,7 +5756,7 @@
             </a:r>
             <a:r>
               <a:rPr lang="de-AT" dirty="0"/>
-              <a:t> + X, i</a:t>
+              <a:t> + X, i (terminal)</a:t>
             </a:r>
           </a:p>
           <a:p>
@@ -5747,7 +5766,7 @@
             </a:pPr>
             <a:r>
               <a:rPr lang="de-AT" dirty="0" err="1"/>
-              <a:t>Adb</a:t>
+              <a:t>adb</a:t>
             </a:r>
             <a:r>
               <a:rPr lang="de-AT" dirty="0"/>
@@ -5765,12 +5784,8 @@
               <a:buAutoNum type="arabicPeriod"/>
             </a:pPr>
             <a:r>
-              <a:rPr lang="de-AT" dirty="0" err="1"/>
-              <a:t>Cd</a:t>
-            </a:r>
-            <a:r>
-              <a:rPr lang="de-AT" dirty="0"/>
-              <a:t> /</a:t>
+              <a:rPr lang="de-AT" dirty="0"/>
+              <a:t>cd /</a:t>
             </a:r>
             <a:r>
               <a:rPr lang="de-AT" dirty="0" err="1"/>
@@ -5835,15 +5850,7 @@
             </a:pPr>
             <a:r>
               <a:rPr lang="de-AT" dirty="0"/>
-              <a:t>Select * </a:t>
-            </a:r>
-            <a:r>
-              <a:rPr lang="de-AT" dirty="0" err="1"/>
-              <a:t>from</a:t>
-            </a:r>
-            <a:r>
-              <a:rPr lang="de-AT" dirty="0"/>
-              <a:t> TABLE_NAME;</a:t>
+              <a:t>SELECT * FROM TABLE_NAME;</a:t>
             </a:r>
           </a:p>
         </p:txBody>

--- a/Android Panzenboeck.pptx
+++ b/Android Panzenboeck.pptx
@@ -213,7 +213,7 @@
           <a:p>
             <a:fld id="{032E51A5-1EAA-49D7-8B5B-717F2007A904}" type="datetimeFigureOut">
               <a:rPr lang="de-AT" smtClean="0"/>
-              <a:t>22.10.2017</a:t>
+              <a:t>23.10.2017</a:t>
             </a:fld>
             <a:endParaRPr lang="de-AT"/>
           </a:p>
@@ -1484,7 +1484,7 @@
           <a:p>
             <a:fld id="{2B6EC4EA-4B7C-41D0-8C12-795DA6CC1C4F}" type="datetimeFigureOut">
               <a:rPr lang="de-AT" smtClean="0"/>
-              <a:t>22.10.2017</a:t>
+              <a:t>23.10.2017</a:t>
             </a:fld>
             <a:endParaRPr lang="de-AT"/>
           </a:p>
@@ -1684,7 +1684,7 @@
           <a:p>
             <a:fld id="{2B6EC4EA-4B7C-41D0-8C12-795DA6CC1C4F}" type="datetimeFigureOut">
               <a:rPr lang="de-AT" smtClean="0"/>
-              <a:t>22.10.2017</a:t>
+              <a:t>23.10.2017</a:t>
             </a:fld>
             <a:endParaRPr lang="de-AT"/>
           </a:p>
@@ -1894,7 +1894,7 @@
           <a:p>
             <a:fld id="{2B6EC4EA-4B7C-41D0-8C12-795DA6CC1C4F}" type="datetimeFigureOut">
               <a:rPr lang="de-AT" smtClean="0"/>
-              <a:t>22.10.2017</a:t>
+              <a:t>23.10.2017</a:t>
             </a:fld>
             <a:endParaRPr lang="de-AT"/>
           </a:p>
@@ -2094,7 +2094,7 @@
           <a:p>
             <a:fld id="{2B6EC4EA-4B7C-41D0-8C12-795DA6CC1C4F}" type="datetimeFigureOut">
               <a:rPr lang="de-AT" smtClean="0"/>
-              <a:t>22.10.2017</a:t>
+              <a:t>23.10.2017</a:t>
             </a:fld>
             <a:endParaRPr lang="de-AT"/>
           </a:p>
@@ -2370,7 +2370,7 @@
           <a:p>
             <a:fld id="{2B6EC4EA-4B7C-41D0-8C12-795DA6CC1C4F}" type="datetimeFigureOut">
               <a:rPr lang="de-AT" smtClean="0"/>
-              <a:t>22.10.2017</a:t>
+              <a:t>23.10.2017</a:t>
             </a:fld>
             <a:endParaRPr lang="de-AT"/>
           </a:p>
@@ -2638,7 +2638,7 @@
           <a:p>
             <a:fld id="{2B6EC4EA-4B7C-41D0-8C12-795DA6CC1C4F}" type="datetimeFigureOut">
               <a:rPr lang="de-AT" smtClean="0"/>
-              <a:t>22.10.2017</a:t>
+              <a:t>23.10.2017</a:t>
             </a:fld>
             <a:endParaRPr lang="de-AT"/>
           </a:p>
@@ -3053,7 +3053,7 @@
           <a:p>
             <a:fld id="{2B6EC4EA-4B7C-41D0-8C12-795DA6CC1C4F}" type="datetimeFigureOut">
               <a:rPr lang="de-AT" smtClean="0"/>
-              <a:t>22.10.2017</a:t>
+              <a:t>23.10.2017</a:t>
             </a:fld>
             <a:endParaRPr lang="de-AT"/>
           </a:p>
@@ -3195,7 +3195,7 @@
           <a:p>
             <a:fld id="{2B6EC4EA-4B7C-41D0-8C12-795DA6CC1C4F}" type="datetimeFigureOut">
               <a:rPr lang="de-AT" smtClean="0"/>
-              <a:t>22.10.2017</a:t>
+              <a:t>23.10.2017</a:t>
             </a:fld>
             <a:endParaRPr lang="de-AT"/>
           </a:p>
@@ -3308,7 +3308,7 @@
           <a:p>
             <a:fld id="{2B6EC4EA-4B7C-41D0-8C12-795DA6CC1C4F}" type="datetimeFigureOut">
               <a:rPr lang="de-AT" smtClean="0"/>
-              <a:t>22.10.2017</a:t>
+              <a:t>23.10.2017</a:t>
             </a:fld>
             <a:endParaRPr lang="de-AT"/>
           </a:p>
@@ -3621,7 +3621,7 @@
           <a:p>
             <a:fld id="{2B6EC4EA-4B7C-41D0-8C12-795DA6CC1C4F}" type="datetimeFigureOut">
               <a:rPr lang="de-AT" smtClean="0"/>
-              <a:t>22.10.2017</a:t>
+              <a:t>23.10.2017</a:t>
             </a:fld>
             <a:endParaRPr lang="de-AT"/>
           </a:p>
@@ -3910,7 +3910,7 @@
           <a:p>
             <a:fld id="{2B6EC4EA-4B7C-41D0-8C12-795DA6CC1C4F}" type="datetimeFigureOut">
               <a:rPr lang="de-AT" smtClean="0"/>
-              <a:t>22.10.2017</a:t>
+              <a:t>23.10.2017</a:t>
             </a:fld>
             <a:endParaRPr lang="de-AT"/>
           </a:p>
@@ -4153,7 +4153,7 @@
           <a:p>
             <a:fld id="{2B6EC4EA-4B7C-41D0-8C12-795DA6CC1C4F}" type="datetimeFigureOut">
               <a:rPr lang="de-AT" smtClean="0"/>
-              <a:t>22.10.2017</a:t>
+              <a:t>23.10.2017</a:t>
             </a:fld>
             <a:endParaRPr lang="de-AT"/>
           </a:p>
